--- a/presentación_ejemplo/Presentación_Powerpoineador.pptx
+++ b/presentación_ejemplo/Presentación_Powerpoineador.pptx
@@ -13,6 +13,8 @@
     <p:sldId id="261" r:id="rId12"/>
     <p:sldId id="262" r:id="rId13"/>
     <p:sldId id="263" r:id="rId14"/>
+    <p:sldId id="264" r:id="rId15"/>
+    <p:sldId id="265" r:id="rId16"/>
   </p:sldIdLst>
   <p:sldSz cx="9144000" cy="6858000" type="screen4x3"/>
   <p:notesSz cx="6858000" cy="9144000"/>
@@ -3317,13 +3319,13 @@
           <a:p>
             <a:pPr algn="l"/>
             <a:r>
-              <a:rPr sz="3300" b="1">
+              <a:rPr sz="3000" b="1">
                 <a:solidFill>
                   <a:srgbClr val="FFFFFF"/>
                 </a:solidFill>
                 <a:latin typeface="Comic Sans MS"/>
               </a:rPr>
-              <a:t>Introducción</a:t>
+              <a:t>Automatización eficiente</a:t>
             </a:r>
           </a:p>
         </p:txBody>
@@ -3402,7 +3404,7 @@
                 </a:solidFill>
                 <a:latin typeface="Times New Roman"/>
               </a:rPr>
-              <a:t>La Inteligencia Artificial (IA) transformará el mundo al simular la inteligencia humana, impactando todos los sectores y ofreciendo beneficios como eficiencia y personalización en la vida diaria.</a:t>
+              <a:t>La IA transformará el trabajo rutinario, liberando a los humanos para tareas creativas y estratégicas. Aumentará drásticamente la productividad, optimizará procesos y reducirá errores, impulsando economías globales hacia una nueva era de eficiencia sin precedentes.</a:t>
             </a:r>
           </a:p>
         </p:txBody>
@@ -3490,6 +3492,122 @@
           <a:lstStyle/>
           <a:p>
             <a:pPr algn="ctr"/>
+          </a:p>
+        </p:txBody>
+      </p:sp>
+    </p:spTree>
+  </p:cSld>
+  <p:clrMapOvr>
+    <a:masterClrMapping/>
+  </p:clrMapOvr>
+</p:sld>
+</file>
+
+<file path=ppt/slides/slide10.xml><?xml version="1.0" encoding="utf-8"?>
+<p:sld xmlns:a="http://schemas.openxmlformats.org/drawingml/2006/main" xmlns:p="http://schemas.openxmlformats.org/presentationml/2006/main" xmlns:r="http://schemas.openxmlformats.org/officeDocument/2006/relationships">
+  <p:cSld>
+    <p:spTree>
+      <p:nvGrpSpPr>
+        <p:cNvPr id="1" name=""/>
+        <p:cNvGrpSpPr/>
+        <p:nvPr/>
+      </p:nvGrpSpPr>
+      <p:grpSpPr/>
+      <p:pic>
+        <p:nvPicPr>
+          <p:cNvPr id="2" name="SLIDE_BACKGROUND_IMAGE" descr="Slide_darker.jpg"/>
+          <p:cNvPicPr>
+            <a:picLocks noChangeAspect="1"/>
+          </p:cNvPicPr>
+          <p:nvPr/>
+        </p:nvPicPr>
+        <p:blipFill>
+          <a:blip r:embed="rId2"/>
+          <a:stretch>
+            <a:fillRect/>
+          </a:stretch>
+        </p:blipFill>
+        <p:spPr>
+          <a:xfrm>
+            <a:off x="0" y="0"/>
+            <a:ext cx="9144000" cy="6858000"/>
+          </a:xfrm>
+          <a:prstGeom prst="rect">
+            <a:avLst/>
+          </a:prstGeom>
+        </p:spPr>
+      </p:pic>
+      <p:sp>
+        <p:nvSpPr>
+          <p:cNvPr id="3" name="TextBox 2"/>
+          <p:cNvSpPr txBox="1"/>
+          <p:nvPr/>
+        </p:nvSpPr>
+        <p:spPr>
+          <a:xfrm>
+            <a:off x="2286000" y="457200"/>
+            <a:ext cx="4572000" cy="914400"/>
+          </a:xfrm>
+          <a:prstGeom prst="rect">
+            <a:avLst/>
+          </a:prstGeom>
+          <a:noFill/>
+        </p:spPr>
+        <p:txBody>
+          <a:bodyPr wrap="square" bIns="0" lIns="228600" anchor="ctr">
+            <a:spAutoFit/>
+          </a:bodyPr>
+          <a:lstStyle/>
+          <a:p>
+            <a:pPr algn="ctr"/>
+            <a:r>
+              <a:rPr sz="3000" b="1">
+                <a:solidFill>
+                  <a:srgbClr val="FFFFFF"/>
+                </a:solidFill>
+                <a:latin typeface="Comic Sans MS"/>
+              </a:rPr>
+              <a:t>Interconexión humana</a:t>
+            </a:r>
+          </a:p>
+        </p:txBody>
+      </p:sp>
+      <p:sp>
+        <p:nvSpPr>
+          <p:cNvPr id="4" name="TextBox 3"/>
+          <p:cNvSpPr txBox="1"/>
+          <p:nvPr/>
+        </p:nvSpPr>
+        <p:spPr>
+          <a:xfrm>
+            <a:off x="914400" y="1371600"/>
+            <a:ext cx="7315200" cy="3657600"/>
+          </a:xfrm>
+          <a:prstGeom prst="rect">
+            <a:avLst/>
+          </a:prstGeom>
+          <a:noFill/>
+        </p:spPr>
+        <p:txBody>
+          <a:bodyPr wrap="square" bIns="73152" lIns="228600" anchor="ctr">
+            <a:spAutoFit/>
+          </a:bodyPr>
+          <a:lstStyle/>
+          <a:p/>
+          <a:p>
+            <a:pPr algn="ctr">
+              <a:defRPr sz="2000">
+                <a:solidFill>
+                  <a:srgbClr val="FFFFFF"/>
+                </a:solidFill>
+              </a:defRPr>
+            </a:pPr>
+            <a:r>
+              <a:rPr b="0" i="1" u="none">
+                <a:latin typeface="Times New Roman"/>
+              </a:rPr>
+              <a:t>A pesar de la automatización, la IA facilitará una mayor conexión humana al liberar tiempo de tareas mundanas. Mejorará la comunicación, permitirá nuevas formas de interacción social y fortalecerá comunidades globales.</a:t>
+            </a:r>
           </a:p>
         </p:txBody>
       </p:sp>
@@ -3513,7 +3631,7 @@
       <p:grpSpPr/>
       <p:pic>
         <p:nvPicPr>
-          <p:cNvPr id="2" name="Picture 1" descr="Slide2.jpg"/>
+          <p:cNvPr id="2" name="SLIDE_BACKGROUND_IMAGE" descr="Slide2.jpg"/>
           <p:cNvPicPr>
             <a:picLocks noChangeAspect="1"/>
           </p:cNvPicPr>
@@ -3543,7 +3661,7 @@
         </p:nvSpPr>
         <p:spPr>
           <a:xfrm>
-            <a:off x="4114800" y="1097280"/>
+            <a:off x="457200" y="1097280"/>
             <a:ext cx="4572000" cy="4754880"/>
           </a:xfrm>
           <a:prstGeom prst="roundRect">
@@ -3554,7 +3672,7 @@
           </a:solidFill>
           <a:ln w="19050">
             <a:solidFill>
-              <a:srgbClr val="4682B4"/>
+              <a:srgbClr val="008272"/>
             </a:solidFill>
           </a:ln>
           <a:effectLst/>
@@ -3589,7 +3707,7 @@
         </p:nvSpPr>
         <p:spPr>
           <a:xfrm>
-            <a:off x="4389120" y="1097280"/>
+            <a:off x="731520" y="1097280"/>
             <a:ext cx="4023360" cy="914400"/>
           </a:xfrm>
           <a:prstGeom prst="rect">
@@ -3605,13 +3723,13 @@
           <a:p>
             <a:pPr algn="l"/>
             <a:r>
-              <a:rPr sz="3300" b="1">
+              <a:rPr sz="3000" b="1">
                 <a:solidFill>
-                  <a:srgbClr val="325078"/>
+                  <a:srgbClr val="008272"/>
                 </a:solidFill>
                 <a:latin typeface="Comic Sans MS"/>
               </a:rPr>
-              <a:t>Definición de IA</a:t>
+              <a:t>Salud personalizada</a:t>
             </a:r>
           </a:p>
         </p:txBody>
@@ -3624,14 +3742,14 @@
         </p:nvSpPr>
         <p:spPr>
           <a:xfrm>
-            <a:off x="4389120" y="2377440"/>
+            <a:off x="731520" y="2194560"/>
             <a:ext cx="3657600" cy="45720"/>
           </a:xfrm>
           <a:prstGeom prst="rect">
             <a:avLst/>
           </a:prstGeom>
           <a:solidFill>
-            <a:srgbClr val="4682B4"/>
+            <a:srgbClr val="008272"/>
           </a:solidFill>
           <a:ln>
             <a:noFill/>
@@ -3667,8 +3785,8 @@
         </p:nvSpPr>
         <p:spPr>
           <a:xfrm>
-            <a:off x="4389120" y="2468880"/>
-            <a:ext cx="4023360" cy="3108960"/>
+            <a:off x="731520" y="2286000"/>
+            <a:ext cx="4023360" cy="3291840"/>
           </a:xfrm>
           <a:prstGeom prst="rect">
             <a:avLst/>
@@ -3685,7 +3803,7 @@
             <a:pPr>
               <a:defRPr sz="2000">
                 <a:solidFill>
-                  <a:srgbClr val="323246"/>
+                  <a:srgbClr val="284641"/>
                 </a:solidFill>
               </a:defRPr>
             </a:pPr>
@@ -3693,7 +3811,7 @@
               <a:rPr b="0" i="1" u="none">
                 <a:latin typeface="Times New Roman"/>
               </a:rPr>
-              <a:t>IA se refiere a sistemas que aprenden, razonan y actúan como humanos, utilizando datos y algoritmos para resolver problemas complejos en diversas aplicaciones.</a:t>
+              <a:t>Diagnósticos precisos, tratamientos a medida y descubrimiento acelerado de fármacos revolucionarán la medicina. La IA permitirá una atención sanitaria preventiva, predictiva y personalizada, mejorando la calidad de vida y prolongando la esperanza de vida globalmente.</a:t>
             </a:r>
           </a:p>
         </p:txBody>
@@ -3706,14 +3824,14 @@
         </p:nvSpPr>
         <p:spPr>
           <a:xfrm rot="2700000">
-            <a:off x="7772400" y="4937760"/>
+            <a:off x="4114800" y="4937760"/>
             <a:ext cx="731520" cy="731520"/>
           </a:xfrm>
           <a:prstGeom prst="roundRect">
             <a:avLst/>
           </a:prstGeom>
           <a:solidFill>
-            <a:srgbClr val="4682B4"/>
+            <a:srgbClr val="008272"/>
           </a:solidFill>
           <a:ln>
             <a:noFill/>
@@ -3759,215 +3877,9 @@
         <p:nvPr/>
       </p:nvGrpSpPr>
       <p:grpSpPr/>
-      <p:sp>
-        <p:nvSpPr>
-          <p:cNvPr id="2" name="Rectangle 1"/>
-          <p:cNvSpPr/>
-          <p:nvPr/>
-        </p:nvSpPr>
-        <p:spPr>
-          <a:xfrm>
-            <a:off x="0" y="0"/>
-            <a:ext cx="9144000" cy="6858000"/>
-          </a:xfrm>
-          <a:prstGeom prst="rect">
-            <a:avLst/>
-          </a:prstGeom>
-          <a:solidFill>
-            <a:srgbClr val="FAF5F8"/>
-          </a:solidFill>
-          <a:ln>
-            <a:noFill/>
-          </a:ln>
-        </p:spPr>
-        <p:style>
-          <a:lnRef idx="1">
-            <a:schemeClr val="accent1"/>
-          </a:lnRef>
-          <a:fillRef idx="3">
-            <a:schemeClr val="accent1"/>
-          </a:fillRef>
-          <a:effectRef idx="2">
-            <a:schemeClr val="accent1"/>
-          </a:effectRef>
-          <a:fontRef idx="minor">
-            <a:schemeClr val="lt1"/>
-          </a:fontRef>
-        </p:style>
-        <p:txBody>
-          <a:bodyPr rtlCol="0" anchor="ctr"/>
-          <a:lstStyle/>
-          <a:p>
-            <a:pPr algn="ctr"/>
-          </a:p>
-        </p:txBody>
-      </p:sp>
-      <p:sp>
-        <p:nvSpPr>
-          <p:cNvPr id="3" name="Rectangle 2"/>
-          <p:cNvSpPr/>
-          <p:nvPr/>
-        </p:nvSpPr>
-        <p:spPr>
-          <a:xfrm>
-            <a:off x="0" y="0"/>
-            <a:ext cx="274320" cy="6858000"/>
-          </a:xfrm>
-          <a:prstGeom prst="rect">
-            <a:avLst/>
-          </a:prstGeom>
-          <a:solidFill>
-            <a:srgbClr val="AF0050"/>
-          </a:solidFill>
-          <a:ln>
-            <a:noFill/>
-          </a:ln>
-        </p:spPr>
-        <p:style>
-          <a:lnRef idx="1">
-            <a:schemeClr val="accent1"/>
-          </a:lnRef>
-          <a:fillRef idx="3">
-            <a:schemeClr val="accent1"/>
-          </a:fillRef>
-          <a:effectRef idx="2">
-            <a:schemeClr val="accent1"/>
-          </a:effectRef>
-          <a:fontRef idx="minor">
-            <a:schemeClr val="lt1"/>
-          </a:fontRef>
-        </p:style>
-        <p:txBody>
-          <a:bodyPr rtlCol="0" anchor="ctr"/>
-          <a:lstStyle/>
-          <a:p>
-            <a:pPr algn="ctr"/>
-          </a:p>
-        </p:txBody>
-      </p:sp>
-      <p:sp>
-        <p:nvSpPr>
-          <p:cNvPr id="4" name="TextBox 3"/>
-          <p:cNvSpPr txBox="1"/>
-          <p:nvPr/>
-        </p:nvSpPr>
-        <p:spPr>
-          <a:xfrm>
-            <a:off x="640080" y="274320"/>
-            <a:ext cx="7863840" cy="914400"/>
-          </a:xfrm>
-          <a:prstGeom prst="rect">
-            <a:avLst/>
-          </a:prstGeom>
-          <a:noFill/>
-        </p:spPr>
-        <p:txBody>
-          <a:bodyPr wrap="square" anchor="ctr">
-            <a:spAutoFit/>
-          </a:bodyPr>
-          <a:lstStyle/>
-          <a:p>
-            <a:pPr algn="ctr"/>
-            <a:r>
-              <a:rPr sz="3300" b="1">
-                <a:solidFill>
-                  <a:srgbClr val="8C003C"/>
-                </a:solidFill>
-                <a:latin typeface="Comic Sans MS"/>
-              </a:rPr>
-              <a:t>Evolución Histórica</a:t>
-            </a:r>
-          </a:p>
-        </p:txBody>
-      </p:sp>
-      <p:sp>
-        <p:nvSpPr>
-          <p:cNvPr id="5" name="Rectangle 4"/>
-          <p:cNvSpPr/>
-          <p:nvPr/>
-        </p:nvSpPr>
-        <p:spPr>
-          <a:xfrm>
-            <a:off x="2743200" y="1463040"/>
-            <a:ext cx="3657600" cy="45720"/>
-          </a:xfrm>
-          <a:prstGeom prst="rect">
-            <a:avLst/>
-          </a:prstGeom>
-          <a:solidFill>
-            <a:srgbClr val="AF0050"/>
-          </a:solidFill>
-          <a:ln>
-            <a:noFill/>
-          </a:ln>
-        </p:spPr>
-        <p:style>
-          <a:lnRef idx="1">
-            <a:schemeClr val="accent1"/>
-          </a:lnRef>
-          <a:fillRef idx="3">
-            <a:schemeClr val="accent1"/>
-          </a:fillRef>
-          <a:effectRef idx="2">
-            <a:schemeClr val="accent1"/>
-          </a:effectRef>
-          <a:fontRef idx="minor">
-            <a:schemeClr val="lt1"/>
-          </a:fontRef>
-        </p:style>
-        <p:txBody>
-          <a:bodyPr rtlCol="0" anchor="ctr"/>
-          <a:lstStyle/>
-          <a:p>
-            <a:pPr algn="ctr"/>
-          </a:p>
-        </p:txBody>
-      </p:sp>
-      <p:sp>
-        <p:nvSpPr>
-          <p:cNvPr id="6" name="Rectangle 5"/>
-          <p:cNvSpPr/>
-          <p:nvPr/>
-        </p:nvSpPr>
-        <p:spPr>
-          <a:xfrm>
-            <a:off x="914400" y="1828800"/>
-            <a:ext cx="3657600" cy="3657600"/>
-          </a:xfrm>
-          <a:prstGeom prst="rect">
-            <a:avLst/>
-          </a:prstGeom>
-          <a:ln w="25400">
-            <a:solidFill>
-              <a:srgbClr val="AF0050"/>
-            </a:solidFill>
-          </a:ln>
-        </p:spPr>
-        <p:style>
-          <a:lnRef idx="1">
-            <a:schemeClr val="accent1"/>
-          </a:lnRef>
-          <a:fillRef idx="3">
-            <a:schemeClr val="accent1"/>
-          </a:fillRef>
-          <a:effectRef idx="2">
-            <a:schemeClr val="accent1"/>
-          </a:effectRef>
-          <a:fontRef idx="minor">
-            <a:schemeClr val="lt1"/>
-          </a:fontRef>
-        </p:style>
-        <p:txBody>
-          <a:bodyPr rtlCol="0" anchor="ctr"/>
-          <a:lstStyle/>
-          <a:p>
-            <a:pPr algn="ctr"/>
-          </a:p>
-        </p:txBody>
-      </p:sp>
       <p:pic>
         <p:nvPicPr>
-          <p:cNvPr id="7" name="Picture 6" descr="Slide3.jpg"/>
+          <p:cNvPr id="2" name="SLIDE_BACKGROUND_IMAGE" descr="Slide3.jpg"/>
           <p:cNvPicPr>
             <a:picLocks noChangeAspect="1"/>
           </p:cNvPicPr>
@@ -3981,8 +3893,8 @@
         </p:blipFill>
         <p:spPr>
           <a:xfrm>
-            <a:off x="914400" y="1828800"/>
-            <a:ext cx="3657600" cy="3657600"/>
+            <a:off x="0" y="0"/>
+            <a:ext cx="9144000" cy="6858000"/>
           </a:xfrm>
           <a:prstGeom prst="rect">
             <a:avLst/>
@@ -3991,24 +3903,24 @@
       </p:pic>
       <p:sp>
         <p:nvSpPr>
-          <p:cNvPr id="8" name="Rounded Rectangle 7"/>
+          <p:cNvPr id="3" name="Rounded Rectangle 2"/>
           <p:cNvSpPr/>
           <p:nvPr/>
         </p:nvSpPr>
         <p:spPr>
           <a:xfrm>
-            <a:off x="4846320" y="1828800"/>
-            <a:ext cx="3657600" cy="3657600"/>
+            <a:off x="4114800" y="1097280"/>
+            <a:ext cx="4572000" cy="4754880"/>
           </a:xfrm>
           <a:prstGeom prst="roundRect">
             <a:avLst/>
           </a:prstGeom>
           <a:solidFill>
-            <a:srgbClr val="FAF0F5"/>
+            <a:srgbClr val="F5F5FA"/>
           </a:solidFill>
-          <a:ln w="12700">
+          <a:ln w="19050">
             <a:solidFill>
-              <a:srgbClr val="AF0050"/>
+              <a:srgbClr val="4682B4"/>
             </a:solidFill>
           </a:ln>
           <a:effectLst/>
@@ -4037,14 +3949,14 @@
       </p:sp>
       <p:sp>
         <p:nvSpPr>
-          <p:cNvPr id="9" name="TextBox 8"/>
+          <p:cNvPr id="4" name="TextBox 3"/>
           <p:cNvSpPr txBox="1"/>
           <p:nvPr/>
         </p:nvSpPr>
         <p:spPr>
           <a:xfrm>
-            <a:off x="4937760" y="1920240"/>
-            <a:ext cx="3474720" cy="3474720"/>
+            <a:off x="4389120" y="1097280"/>
+            <a:ext cx="4023360" cy="914400"/>
           </a:xfrm>
           <a:prstGeom prst="rect">
             <a:avLst/>
@@ -4052,7 +3964,85 @@
           <a:noFill/>
         </p:spPr>
         <p:txBody>
-          <a:bodyPr wrap="square" tIns="-228600" lIns="228600" rIns="228600" anchor="t">
+          <a:bodyPr wrap="square" anchor="t">
+            <a:spAutoFit/>
+          </a:bodyPr>
+          <a:lstStyle/>
+          <a:p>
+            <a:pPr algn="l"/>
+            <a:r>
+              <a:rPr sz="3000" b="1">
+                <a:solidFill>
+                  <a:srgbClr val="325078"/>
+                </a:solidFill>
+                <a:latin typeface="Comic Sans MS"/>
+              </a:rPr>
+              <a:t>Educación adaptativa</a:t>
+            </a:r>
+          </a:p>
+        </p:txBody>
+      </p:sp>
+      <p:sp>
+        <p:nvSpPr>
+          <p:cNvPr id="5" name="Rectangle 4"/>
+          <p:cNvSpPr/>
+          <p:nvPr/>
+        </p:nvSpPr>
+        <p:spPr>
+          <a:xfrm>
+            <a:off x="4389120" y="2377440"/>
+            <a:ext cx="3657600" cy="45720"/>
+          </a:xfrm>
+          <a:prstGeom prst="rect">
+            <a:avLst/>
+          </a:prstGeom>
+          <a:solidFill>
+            <a:srgbClr val="4682B4"/>
+          </a:solidFill>
+          <a:ln>
+            <a:noFill/>
+          </a:ln>
+        </p:spPr>
+        <p:style>
+          <a:lnRef idx="1">
+            <a:schemeClr val="accent1"/>
+          </a:lnRef>
+          <a:fillRef idx="3">
+            <a:schemeClr val="accent1"/>
+          </a:fillRef>
+          <a:effectRef idx="2">
+            <a:schemeClr val="accent1"/>
+          </a:effectRef>
+          <a:fontRef idx="minor">
+            <a:schemeClr val="lt1"/>
+          </a:fontRef>
+        </p:style>
+        <p:txBody>
+          <a:bodyPr rtlCol="0" anchor="ctr"/>
+          <a:lstStyle/>
+          <a:p>
+            <a:pPr algn="ctr"/>
+          </a:p>
+        </p:txBody>
+      </p:sp>
+      <p:sp>
+        <p:nvSpPr>
+          <p:cNvPr id="6" name="TextBox 5"/>
+          <p:cNvSpPr txBox="1"/>
+          <p:nvPr/>
+        </p:nvSpPr>
+        <p:spPr>
+          <a:xfrm>
+            <a:off x="4389120" y="2468880"/>
+            <a:ext cx="4023360" cy="3108960"/>
+          </a:xfrm>
+          <a:prstGeom prst="rect">
+            <a:avLst/>
+          </a:prstGeom>
+          <a:noFill/>
+        </p:spPr>
+        <p:txBody>
+          <a:bodyPr wrap="square" tIns="-228600" bIns="73152" rIns="228600" anchor="t">
             <a:spAutoFit/>
           </a:bodyPr>
           <a:lstStyle/>
@@ -4061,7 +4051,7 @@
             <a:pPr>
               <a:defRPr sz="2000">
                 <a:solidFill>
-                  <a:srgbClr val="501428"/>
+                  <a:srgbClr val="323246"/>
                 </a:solidFill>
               </a:defRPr>
             </a:pPr>
@@ -4069,27 +4059,27 @@
               <a:rPr b="0" i="1" u="none">
                 <a:latin typeface="Times New Roman"/>
               </a:rPr>
-              <a:t>Desde los años 1950 con Alan Turing, la IA ha avanzado a través de etapas como el machine learning y el deep learning, logrando innovaciones actuales en tecnología.</a:t>
-            </a:r>
-          </a:p>
-        </p:txBody>
-      </p:sp>
-      <p:sp>
-        <p:nvSpPr>
-          <p:cNvPr id="10" name="Rounded Rectangle 9"/>
+              <a:t>Plataformas de IA ofrecerán aprendizaje individualizado, adaptando el contenido y ritmo a cada estudiante. Esto democratizará el acceso al conocimiento, mejorando la retención y comprensión, preparando mejor a las futuras generaciones para los desafíos del mañana.</a:t>
+            </a:r>
+          </a:p>
+        </p:txBody>
+      </p:sp>
+      <p:sp>
+        <p:nvSpPr>
+          <p:cNvPr id="7" name="Rounded Rectangle 6"/>
           <p:cNvSpPr/>
           <p:nvPr/>
         </p:nvSpPr>
         <p:spPr>
           <a:xfrm rot="2700000">
-            <a:off x="8046720" y="5760720"/>
-            <a:ext cx="914400" cy="914400"/>
+            <a:off x="7772400" y="4937760"/>
+            <a:ext cx="731520" cy="731520"/>
           </a:xfrm>
           <a:prstGeom prst="roundRect">
             <a:avLst/>
           </a:prstGeom>
           <a:solidFill>
-            <a:srgbClr val="AF0050"/>
+            <a:srgbClr val="4682B4"/>
           </a:solidFill>
           <a:ln>
             <a:noFill/>
@@ -4150,8 +4140,11 @@
             <a:avLst/>
           </a:prstGeom>
           <a:solidFill>
-            <a:srgbClr val="F0F0F0"/>
+            <a:srgbClr val="FAF5F8"/>
           </a:solidFill>
+          <a:ln>
+            <a:noFill/>
+          </a:ln>
         </p:spPr>
         <p:style>
           <a:lnRef idx="1">
@@ -4175,9 +4168,172 @@
           </a:p>
         </p:txBody>
       </p:sp>
+      <p:sp>
+        <p:nvSpPr>
+          <p:cNvPr id="3" name="Rectangle 2"/>
+          <p:cNvSpPr/>
+          <p:nvPr/>
+        </p:nvSpPr>
+        <p:spPr>
+          <a:xfrm>
+            <a:off x="0" y="0"/>
+            <a:ext cx="274320" cy="6858000"/>
+          </a:xfrm>
+          <a:prstGeom prst="rect">
+            <a:avLst/>
+          </a:prstGeom>
+          <a:solidFill>
+            <a:srgbClr val="AF0050"/>
+          </a:solidFill>
+          <a:ln>
+            <a:noFill/>
+          </a:ln>
+        </p:spPr>
+        <p:style>
+          <a:lnRef idx="1">
+            <a:schemeClr val="accent1"/>
+          </a:lnRef>
+          <a:fillRef idx="3">
+            <a:schemeClr val="accent1"/>
+          </a:fillRef>
+          <a:effectRef idx="2">
+            <a:schemeClr val="accent1"/>
+          </a:effectRef>
+          <a:fontRef idx="minor">
+            <a:schemeClr val="lt1"/>
+          </a:fontRef>
+        </p:style>
+        <p:txBody>
+          <a:bodyPr rtlCol="0" anchor="ctr"/>
+          <a:lstStyle/>
+          <a:p>
+            <a:pPr algn="ctr"/>
+          </a:p>
+        </p:txBody>
+      </p:sp>
+      <p:sp>
+        <p:nvSpPr>
+          <p:cNvPr id="4" name="TextBox 3"/>
+          <p:cNvSpPr txBox="1"/>
+          <p:nvPr/>
+        </p:nvSpPr>
+        <p:spPr>
+          <a:xfrm>
+            <a:off x="640080" y="274320"/>
+            <a:ext cx="7863840" cy="914400"/>
+          </a:xfrm>
+          <a:prstGeom prst="rect">
+            <a:avLst/>
+          </a:prstGeom>
+          <a:noFill/>
+        </p:spPr>
+        <p:txBody>
+          <a:bodyPr wrap="square" anchor="ctr">
+            <a:spAutoFit/>
+          </a:bodyPr>
+          <a:lstStyle/>
+          <a:p>
+            <a:pPr algn="ctr"/>
+            <a:r>
+              <a:rPr sz="3000" b="1">
+                <a:solidFill>
+                  <a:srgbClr val="8C003C"/>
+                </a:solidFill>
+                <a:latin typeface="Comic Sans MS"/>
+              </a:rPr>
+              <a:t>Ciudades inteligentes</a:t>
+            </a:r>
+          </a:p>
+        </p:txBody>
+      </p:sp>
+      <p:sp>
+        <p:nvSpPr>
+          <p:cNvPr id="5" name="Rectangle 4"/>
+          <p:cNvSpPr/>
+          <p:nvPr/>
+        </p:nvSpPr>
+        <p:spPr>
+          <a:xfrm>
+            <a:off x="2743200" y="1463040"/>
+            <a:ext cx="3657600" cy="45720"/>
+          </a:xfrm>
+          <a:prstGeom prst="rect">
+            <a:avLst/>
+          </a:prstGeom>
+          <a:solidFill>
+            <a:srgbClr val="AF0050"/>
+          </a:solidFill>
+          <a:ln>
+            <a:noFill/>
+          </a:ln>
+        </p:spPr>
+        <p:style>
+          <a:lnRef idx="1">
+            <a:schemeClr val="accent1"/>
+          </a:lnRef>
+          <a:fillRef idx="3">
+            <a:schemeClr val="accent1"/>
+          </a:fillRef>
+          <a:effectRef idx="2">
+            <a:schemeClr val="accent1"/>
+          </a:effectRef>
+          <a:fontRef idx="minor">
+            <a:schemeClr val="lt1"/>
+          </a:fontRef>
+        </p:style>
+        <p:txBody>
+          <a:bodyPr rtlCol="0" anchor="ctr"/>
+          <a:lstStyle/>
+          <a:p>
+            <a:pPr algn="ctr"/>
+          </a:p>
+        </p:txBody>
+      </p:sp>
+      <p:sp>
+        <p:nvSpPr>
+          <p:cNvPr id="6" name="Rectangle 5"/>
+          <p:cNvSpPr/>
+          <p:nvPr/>
+        </p:nvSpPr>
+        <p:spPr>
+          <a:xfrm>
+            <a:off x="914400" y="1828800"/>
+            <a:ext cx="3657600" cy="3657600"/>
+          </a:xfrm>
+          <a:prstGeom prst="rect">
+            <a:avLst/>
+          </a:prstGeom>
+          <a:ln w="25400">
+            <a:solidFill>
+              <a:srgbClr val="AF0050"/>
+            </a:solidFill>
+          </a:ln>
+        </p:spPr>
+        <p:style>
+          <a:lnRef idx="1">
+            <a:schemeClr val="accent1"/>
+          </a:lnRef>
+          <a:fillRef idx="3">
+            <a:schemeClr val="accent1"/>
+          </a:fillRef>
+          <a:effectRef idx="2">
+            <a:schemeClr val="accent1"/>
+          </a:effectRef>
+          <a:fontRef idx="minor">
+            <a:schemeClr val="lt1"/>
+          </a:fontRef>
+        </p:style>
+        <p:txBody>
+          <a:bodyPr rtlCol="0" anchor="ctr"/>
+          <a:lstStyle/>
+          <a:p>
+            <a:pPr algn="ctr"/>
+          </a:p>
+        </p:txBody>
+      </p:sp>
       <p:pic>
         <p:nvPicPr>
-          <p:cNvPr id="3" name="Picture 2" descr="Slide4.jpg"/>
+          <p:cNvPr id="7" name="Picture 6" descr="Slide4.jpg"/>
           <p:cNvPicPr>
             <a:picLocks noChangeAspect="1"/>
           </p:cNvPicPr>
@@ -4191,8 +4347,8 @@
         </p:blipFill>
         <p:spPr>
           <a:xfrm>
-            <a:off x="4572000" y="0"/>
-            <a:ext cx="4572000" cy="6903720"/>
+            <a:off x="914400" y="1828800"/>
+            <a:ext cx="3657600" cy="3657600"/>
           </a:xfrm>
           <a:prstGeom prst="rect">
             <a:avLst/>
@@ -4201,24 +4357,27 @@
       </p:pic>
       <p:sp>
         <p:nvSpPr>
-          <p:cNvPr id="4" name="Rectangle 3"/>
+          <p:cNvPr id="8" name="Rounded Rectangle 7"/>
           <p:cNvSpPr/>
           <p:nvPr/>
         </p:nvSpPr>
         <p:spPr>
           <a:xfrm>
-            <a:off x="4480560" y="0"/>
-            <a:ext cx="91440" cy="6858000"/>
-          </a:xfrm>
-          <a:prstGeom prst="rect">
+            <a:off x="4846320" y="1828800"/>
+            <a:ext cx="3657600" cy="3657600"/>
+          </a:xfrm>
+          <a:prstGeom prst="roundRect">
             <a:avLst/>
           </a:prstGeom>
           <a:solidFill>
-            <a:srgbClr val="217346"/>
+            <a:srgbClr val="FAF0F5"/>
           </a:solidFill>
-          <a:ln>
-            <a:noFill/>
+          <a:ln w="12700">
+            <a:solidFill>
+              <a:srgbClr val="AF0050"/>
+            </a:solidFill>
           </a:ln>
+          <a:effectLst/>
         </p:spPr>
         <p:style>
           <a:lnRef idx="1">
@@ -4244,142 +4403,22 @@
       </p:sp>
       <p:sp>
         <p:nvSpPr>
-          <p:cNvPr id="5" name="Rectangle 4"/>
-          <p:cNvSpPr/>
-          <p:nvPr/>
-        </p:nvSpPr>
-        <p:spPr>
-          <a:xfrm>
-            <a:off x="0" y="0"/>
-            <a:ext cx="4480560" cy="6858000"/>
+          <p:cNvPr id="9" name="TextBox 8"/>
+          <p:cNvSpPr txBox="1"/>
+          <p:nvPr/>
+        </p:nvSpPr>
+        <p:spPr>
+          <a:xfrm>
+            <a:off x="4937760" y="1920240"/>
+            <a:ext cx="3474720" cy="3474720"/>
           </a:xfrm>
           <a:prstGeom prst="rect">
             <a:avLst/>
           </a:prstGeom>
-          <a:solidFill>
-            <a:srgbClr val="FAFAFA"/>
-          </a:solidFill>
-          <a:ln>
-            <a:noFill/>
-          </a:ln>
-        </p:spPr>
-        <p:style>
-          <a:lnRef idx="1">
-            <a:schemeClr val="accent1"/>
-          </a:lnRef>
-          <a:fillRef idx="3">
-            <a:schemeClr val="accent1"/>
-          </a:fillRef>
-          <a:effectRef idx="2">
-            <a:schemeClr val="accent1"/>
-          </a:effectRef>
-          <a:fontRef idx="minor">
-            <a:schemeClr val="lt1"/>
-          </a:fontRef>
-        </p:style>
-        <p:txBody>
-          <a:bodyPr rtlCol="0" anchor="ctr"/>
-          <a:lstStyle/>
-          <a:p>
-            <a:pPr algn="ctr"/>
-          </a:p>
-        </p:txBody>
-      </p:sp>
-      <p:sp>
-        <p:nvSpPr>
-          <p:cNvPr id="6" name="TextBox 5"/>
-          <p:cNvSpPr txBox="1"/>
-          <p:nvPr/>
-        </p:nvSpPr>
-        <p:spPr>
-          <a:xfrm>
-            <a:off x="1097280" y="182880"/>
-            <a:ext cx="3017520" cy="1097280"/>
-          </a:xfrm>
-          <a:prstGeom prst="rect">
-            <a:avLst/>
-          </a:prstGeom>
           <a:noFill/>
         </p:spPr>
         <p:txBody>
-          <a:bodyPr wrap="square" bIns="0" lIns="228600" anchor="t">
-            <a:spAutoFit/>
-          </a:bodyPr>
-          <a:lstStyle/>
-          <a:p>
-            <a:r>
-              <a:rPr sz="3300" b="1">
-                <a:solidFill>
-                  <a:srgbClr val="217346"/>
-                </a:solidFill>
-                <a:latin typeface="Comic Sans MS"/>
-              </a:rPr>
-              <a:t>Cambios Sociales</a:t>
-            </a:r>
-          </a:p>
-        </p:txBody>
-      </p:sp>
-      <p:sp>
-        <p:nvSpPr>
-          <p:cNvPr id="7" name="Rectangle 6"/>
-          <p:cNvSpPr/>
-          <p:nvPr/>
-        </p:nvSpPr>
-        <p:spPr>
-          <a:xfrm>
-            <a:off x="365760" y="1920240"/>
-            <a:ext cx="3657600" cy="45720"/>
-          </a:xfrm>
-          <a:prstGeom prst="rect">
-            <a:avLst/>
-          </a:prstGeom>
-          <a:solidFill>
-            <a:srgbClr val="217346"/>
-          </a:solidFill>
-          <a:ln>
-            <a:noFill/>
-          </a:ln>
-        </p:spPr>
-        <p:style>
-          <a:lnRef idx="1">
-            <a:schemeClr val="accent1"/>
-          </a:lnRef>
-          <a:fillRef idx="3">
-            <a:schemeClr val="accent1"/>
-          </a:fillRef>
-          <a:effectRef idx="2">
-            <a:schemeClr val="accent1"/>
-          </a:effectRef>
-          <a:fontRef idx="minor">
-            <a:schemeClr val="lt1"/>
-          </a:fontRef>
-        </p:style>
-        <p:txBody>
-          <a:bodyPr rtlCol="0" anchor="ctr"/>
-          <a:lstStyle/>
-          <a:p>
-            <a:pPr algn="ctr"/>
-          </a:p>
-        </p:txBody>
-      </p:sp>
-      <p:sp>
-        <p:nvSpPr>
-          <p:cNvPr id="8" name="TextBox 7"/>
-          <p:cNvSpPr txBox="1"/>
-          <p:nvPr/>
-        </p:nvSpPr>
-        <p:spPr>
-          <a:xfrm>
-            <a:off x="365760" y="1828800"/>
-            <a:ext cx="3657600" cy="3657600"/>
-          </a:xfrm>
-          <a:prstGeom prst="rect">
-            <a:avLst/>
-          </a:prstGeom>
-          <a:noFill/>
-        </p:spPr>
-        <p:txBody>
-          <a:bodyPr wrap="square" bIns="73152" lIns="228600" anchor="t">
+          <a:bodyPr wrap="square" tIns="-228600" lIns="228600" rIns="228600" anchor="t">
             <a:spAutoFit/>
           </a:bodyPr>
           <a:lstStyle/>
@@ -4388,7 +4427,7 @@
             <a:pPr>
               <a:defRPr sz="2000">
                 <a:solidFill>
-                  <a:srgbClr val="323232"/>
+                  <a:srgbClr val="501428"/>
                 </a:solidFill>
               </a:defRPr>
             </a:pPr>
@@ -4396,27 +4435,27 @@
               <a:rPr b="0" i="1" u="none">
                 <a:latin typeface="Times New Roman"/>
               </a:rPr>
-              <a:t>La IA cambiará la sociedad al automatizar tareas, mejorar la comunicación y personalizar servicios, lo que podría reducir desigualdades y fomentar nuevas interacciones humanas.</a:t>
-            </a:r>
-          </a:p>
-        </p:txBody>
-      </p:sp>
-      <p:sp>
-        <p:nvSpPr>
-          <p:cNvPr id="9" name="Rounded Rectangle 8"/>
+              <a:t>La IA optimizará el tráfico, la gestión energética y los servicios públicos urbanos. Creará entornos más habitables, sostenibles y seguros, reduciendo la contaminación y mejorando la calidad de vida de sus habitantes a través de la gestión eficiente de recursos.</a:t>
+            </a:r>
+          </a:p>
+        </p:txBody>
+      </p:sp>
+      <p:sp>
+        <p:nvSpPr>
+          <p:cNvPr id="10" name="Rounded Rectangle 9"/>
           <p:cNvSpPr/>
           <p:nvPr/>
         </p:nvSpPr>
         <p:spPr>
           <a:xfrm rot="2700000">
-            <a:off x="182880" y="274320"/>
+            <a:off x="8046720" y="5760720"/>
             <a:ext cx="914400" cy="914400"/>
           </a:xfrm>
           <a:prstGeom prst="roundRect">
             <a:avLst/>
           </a:prstGeom>
           <a:solidFill>
-            <a:srgbClr val="217346"/>
+            <a:srgbClr val="AF0050"/>
           </a:solidFill>
           <a:ln>
             <a:noFill/>
@@ -4477,8 +4516,11 @@
             <a:avLst/>
           </a:prstGeom>
           <a:solidFill>
-            <a:srgbClr val="F0F0F0"/>
+            <a:srgbClr val="F5F5FA"/>
           </a:solidFill>
+          <a:ln>
+            <a:noFill/>
+          </a:ln>
         </p:spPr>
         <p:style>
           <a:lnRef idx="1">
@@ -4502,9 +4544,172 @@
           </a:p>
         </p:txBody>
       </p:sp>
+      <p:sp>
+        <p:nvSpPr>
+          <p:cNvPr id="3" name="Rectangle 2"/>
+          <p:cNvSpPr/>
+          <p:nvPr/>
+        </p:nvSpPr>
+        <p:spPr>
+          <a:xfrm>
+            <a:off x="8869680" y="0"/>
+            <a:ext cx="274320" cy="6858000"/>
+          </a:xfrm>
+          <a:prstGeom prst="rect">
+            <a:avLst/>
+          </a:prstGeom>
+          <a:solidFill>
+            <a:srgbClr val="6432B4"/>
+          </a:solidFill>
+          <a:ln>
+            <a:noFill/>
+          </a:ln>
+        </p:spPr>
+        <p:style>
+          <a:lnRef idx="1">
+            <a:schemeClr val="accent1"/>
+          </a:lnRef>
+          <a:fillRef idx="3">
+            <a:schemeClr val="accent1"/>
+          </a:fillRef>
+          <a:effectRef idx="2">
+            <a:schemeClr val="accent1"/>
+          </a:effectRef>
+          <a:fontRef idx="minor">
+            <a:schemeClr val="lt1"/>
+          </a:fontRef>
+        </p:style>
+        <p:txBody>
+          <a:bodyPr rtlCol="0" anchor="ctr"/>
+          <a:lstStyle/>
+          <a:p>
+            <a:pPr algn="ctr"/>
+          </a:p>
+        </p:txBody>
+      </p:sp>
+      <p:sp>
+        <p:nvSpPr>
+          <p:cNvPr id="4" name="TextBox 3"/>
+          <p:cNvSpPr txBox="1"/>
+          <p:nvPr/>
+        </p:nvSpPr>
+        <p:spPr>
+          <a:xfrm>
+            <a:off x="640080" y="274320"/>
+            <a:ext cx="7863840" cy="914400"/>
+          </a:xfrm>
+          <a:prstGeom prst="rect">
+            <a:avLst/>
+          </a:prstGeom>
+          <a:noFill/>
+        </p:spPr>
+        <p:txBody>
+          <a:bodyPr wrap="square" anchor="ctr">
+            <a:spAutoFit/>
+          </a:bodyPr>
+          <a:lstStyle/>
+          <a:p>
+            <a:pPr algn="ctr"/>
+            <a:r>
+              <a:rPr sz="3000" b="1">
+                <a:solidFill>
+                  <a:srgbClr val="50148C"/>
+                </a:solidFill>
+                <a:latin typeface="Comic Sans MS"/>
+              </a:rPr>
+              <a:t>Creatividad ampliada</a:t>
+            </a:r>
+          </a:p>
+        </p:txBody>
+      </p:sp>
+      <p:sp>
+        <p:nvSpPr>
+          <p:cNvPr id="5" name="Rectangle 4"/>
+          <p:cNvSpPr/>
+          <p:nvPr/>
+        </p:nvSpPr>
+        <p:spPr>
+          <a:xfrm>
+            <a:off x="2743200" y="1463040"/>
+            <a:ext cx="3657600" cy="45720"/>
+          </a:xfrm>
+          <a:prstGeom prst="rect">
+            <a:avLst/>
+          </a:prstGeom>
+          <a:solidFill>
+            <a:srgbClr val="6432B4"/>
+          </a:solidFill>
+          <a:ln>
+            <a:noFill/>
+          </a:ln>
+        </p:spPr>
+        <p:style>
+          <a:lnRef idx="1">
+            <a:schemeClr val="accent1"/>
+          </a:lnRef>
+          <a:fillRef idx="3">
+            <a:schemeClr val="accent1"/>
+          </a:fillRef>
+          <a:effectRef idx="2">
+            <a:schemeClr val="accent1"/>
+          </a:effectRef>
+          <a:fontRef idx="minor">
+            <a:schemeClr val="lt1"/>
+          </a:fontRef>
+        </p:style>
+        <p:txBody>
+          <a:bodyPr rtlCol="0" anchor="ctr"/>
+          <a:lstStyle/>
+          <a:p>
+            <a:pPr algn="ctr"/>
+          </a:p>
+        </p:txBody>
+      </p:sp>
+      <p:sp>
+        <p:nvSpPr>
+          <p:cNvPr id="6" name="Rectangle 5"/>
+          <p:cNvSpPr/>
+          <p:nvPr/>
+        </p:nvSpPr>
+        <p:spPr>
+          <a:xfrm>
+            <a:off x="4846320" y="1828800"/>
+            <a:ext cx="3657600" cy="3657600"/>
+          </a:xfrm>
+          <a:prstGeom prst="rect">
+            <a:avLst/>
+          </a:prstGeom>
+          <a:ln w="25400">
+            <a:solidFill>
+              <a:srgbClr val="6432B4"/>
+            </a:solidFill>
+          </a:ln>
+        </p:spPr>
+        <p:style>
+          <a:lnRef idx="1">
+            <a:schemeClr val="accent1"/>
+          </a:lnRef>
+          <a:fillRef idx="3">
+            <a:schemeClr val="accent1"/>
+          </a:fillRef>
+          <a:effectRef idx="2">
+            <a:schemeClr val="accent1"/>
+          </a:effectRef>
+          <a:fontRef idx="minor">
+            <a:schemeClr val="lt1"/>
+          </a:fontRef>
+        </p:style>
+        <p:txBody>
+          <a:bodyPr rtlCol="0" anchor="ctr"/>
+          <a:lstStyle/>
+          <a:p>
+            <a:pPr algn="ctr"/>
+          </a:p>
+        </p:txBody>
+      </p:sp>
       <p:pic>
         <p:nvPicPr>
-          <p:cNvPr id="3" name="Picture 2" descr="Slide5.jpg"/>
+          <p:cNvPr id="7" name="Picture 6" descr="Slide5.jpg"/>
           <p:cNvPicPr>
             <a:picLocks noChangeAspect="1"/>
           </p:cNvPicPr>
@@ -4518,8 +4723,8 @@
         </p:blipFill>
         <p:spPr>
           <a:xfrm>
-            <a:off x="0" y="0"/>
-            <a:ext cx="4572000" cy="6903720"/>
+            <a:off x="4846320" y="1828800"/>
+            <a:ext cx="3657600" cy="3657600"/>
           </a:xfrm>
           <a:prstGeom prst="rect">
             <a:avLst/>
@@ -4528,24 +4733,27 @@
       </p:pic>
       <p:sp>
         <p:nvSpPr>
-          <p:cNvPr id="4" name="Rectangle 3"/>
+          <p:cNvPr id="8" name="Rounded Rectangle 7"/>
           <p:cNvSpPr/>
           <p:nvPr/>
         </p:nvSpPr>
         <p:spPr>
           <a:xfrm>
-            <a:off x="4572000" y="0"/>
-            <a:ext cx="91440" cy="6858000"/>
-          </a:xfrm>
-          <a:prstGeom prst="rect">
+            <a:off x="914400" y="1828800"/>
+            <a:ext cx="3657600" cy="3657600"/>
+          </a:xfrm>
+          <a:prstGeom prst="roundRect">
             <a:avLst/>
           </a:prstGeom>
           <a:solidFill>
-            <a:srgbClr val="0078D7"/>
+            <a:srgbClr val="F0F0FA"/>
           </a:solidFill>
-          <a:ln>
-            <a:noFill/>
+          <a:ln w="12700">
+            <a:solidFill>
+              <a:srgbClr val="6432B4"/>
+            </a:solidFill>
           </a:ln>
+          <a:effectLst/>
         </p:spPr>
         <p:style>
           <a:lnRef idx="1">
@@ -4571,142 +4779,22 @@
       </p:sp>
       <p:sp>
         <p:nvSpPr>
-          <p:cNvPr id="5" name="Rectangle 4"/>
-          <p:cNvSpPr/>
-          <p:nvPr/>
-        </p:nvSpPr>
-        <p:spPr>
-          <a:xfrm>
-            <a:off x="4663440" y="0"/>
-            <a:ext cx="4480560" cy="6858000"/>
+          <p:cNvPr id="9" name="TextBox 8"/>
+          <p:cNvSpPr txBox="1"/>
+          <p:nvPr/>
+        </p:nvSpPr>
+        <p:spPr>
+          <a:xfrm>
+            <a:off x="1005840" y="1920240"/>
+            <a:ext cx="3474720" cy="3474720"/>
           </a:xfrm>
           <a:prstGeom prst="rect">
             <a:avLst/>
           </a:prstGeom>
-          <a:solidFill>
-            <a:srgbClr val="FAFAFA"/>
-          </a:solidFill>
-          <a:ln>
-            <a:noFill/>
-          </a:ln>
-        </p:spPr>
-        <p:style>
-          <a:lnRef idx="1">
-            <a:schemeClr val="accent1"/>
-          </a:lnRef>
-          <a:fillRef idx="3">
-            <a:schemeClr val="accent1"/>
-          </a:fillRef>
-          <a:effectRef idx="2">
-            <a:schemeClr val="accent1"/>
-          </a:effectRef>
-          <a:fontRef idx="minor">
-            <a:schemeClr val="lt1"/>
-          </a:fontRef>
-        </p:style>
-        <p:txBody>
-          <a:bodyPr rtlCol="0" anchor="ctr"/>
-          <a:lstStyle/>
-          <a:p>
-            <a:pPr algn="ctr"/>
-          </a:p>
-        </p:txBody>
-      </p:sp>
-      <p:sp>
-        <p:nvSpPr>
-          <p:cNvPr id="6" name="TextBox 5"/>
-          <p:cNvSpPr txBox="1"/>
-          <p:nvPr/>
-        </p:nvSpPr>
-        <p:spPr>
-          <a:xfrm>
-            <a:off x="4846320" y="182880"/>
-            <a:ext cx="3017520" cy="1097280"/>
-          </a:xfrm>
-          <a:prstGeom prst="rect">
-            <a:avLst/>
-          </a:prstGeom>
           <a:noFill/>
         </p:spPr>
         <p:txBody>
-          <a:bodyPr wrap="square" bIns="0" lIns="228600" anchor="t">
-            <a:spAutoFit/>
-          </a:bodyPr>
-          <a:lstStyle/>
-          <a:p>
-            <a:r>
-              <a:rPr sz="3300" b="1">
-                <a:solidFill>
-                  <a:srgbClr val="0078D7"/>
-                </a:solidFill>
-                <a:latin typeface="Comic Sans MS"/>
-              </a:rPr>
-              <a:t>Beneficios en Salud</a:t>
-            </a:r>
-          </a:p>
-        </p:txBody>
-      </p:sp>
-      <p:sp>
-        <p:nvSpPr>
-          <p:cNvPr id="7" name="Rectangle 6"/>
-          <p:cNvSpPr/>
-          <p:nvPr/>
-        </p:nvSpPr>
-        <p:spPr>
-          <a:xfrm>
-            <a:off x="4846320" y="1920240"/>
-            <a:ext cx="3657600" cy="45720"/>
-          </a:xfrm>
-          <a:prstGeom prst="rect">
-            <a:avLst/>
-          </a:prstGeom>
-          <a:solidFill>
-            <a:srgbClr val="0078D7"/>
-          </a:solidFill>
-          <a:ln>
-            <a:noFill/>
-          </a:ln>
-        </p:spPr>
-        <p:style>
-          <a:lnRef idx="1">
-            <a:schemeClr val="accent1"/>
-          </a:lnRef>
-          <a:fillRef idx="3">
-            <a:schemeClr val="accent1"/>
-          </a:fillRef>
-          <a:effectRef idx="2">
-            <a:schemeClr val="accent1"/>
-          </a:effectRef>
-          <a:fontRef idx="minor">
-            <a:schemeClr val="lt1"/>
-          </a:fontRef>
-        </p:style>
-        <p:txBody>
-          <a:bodyPr rtlCol="0" anchor="ctr"/>
-          <a:lstStyle/>
-          <a:p>
-            <a:pPr algn="ctr"/>
-          </a:p>
-        </p:txBody>
-      </p:sp>
-      <p:sp>
-        <p:nvSpPr>
-          <p:cNvPr id="8" name="TextBox 7"/>
-          <p:cNvSpPr txBox="1"/>
-          <p:nvPr/>
-        </p:nvSpPr>
-        <p:spPr>
-          <a:xfrm>
-            <a:off x="4846320" y="1828800"/>
-            <a:ext cx="3657600" cy="3657600"/>
-          </a:xfrm>
-          <a:prstGeom prst="rect">
-            <a:avLst/>
-          </a:prstGeom>
-          <a:noFill/>
-        </p:spPr>
-        <p:txBody>
-          <a:bodyPr wrap="square" bIns="73152" lIns="228600" anchor="t">
+          <a:bodyPr wrap="square" tIns="-228600" lIns="228600" rIns="228600" anchor="t">
             <a:spAutoFit/>
           </a:bodyPr>
           <a:lstStyle/>
@@ -4715,7 +4803,7 @@
             <a:pPr>
               <a:defRPr sz="2000">
                 <a:solidFill>
-                  <a:srgbClr val="323232"/>
+                  <a:srgbClr val="3C1478"/>
                 </a:solidFill>
               </a:defRPr>
             </a:pPr>
@@ -4723,27 +4811,27 @@
               <a:rPr b="0" i="1" u="none">
                 <a:latin typeface="Times New Roman"/>
               </a:rPr>
-              <a:t>En salud, la IA permite diagnósticos precisos, tratamientos personalizados y monitoreo remoto, mejorando la atención médica, salvando vidas y optimizando recursos.</a:t>
-            </a:r>
-          </a:p>
-        </p:txBody>
-      </p:sp>
-      <p:sp>
-        <p:nvSpPr>
-          <p:cNvPr id="9" name="Rounded Rectangle 8"/>
+              <a:t>Asistentes de IA potenciarán la expresión artística, musical y de diseño. Colaborarán con humanos en la generación de ideas innovadoras, abriendo nuevas fronteras para la creatividad y permitiendo la exploración de dimensiones antes inalcanzables.</a:t>
+            </a:r>
+          </a:p>
+        </p:txBody>
+      </p:sp>
+      <p:sp>
+        <p:nvSpPr>
+          <p:cNvPr id="10" name="Rounded Rectangle 9"/>
           <p:cNvSpPr/>
           <p:nvPr/>
         </p:nvSpPr>
         <p:spPr>
           <a:xfrm rot="2700000">
-            <a:off x="8046720" y="274320"/>
+            <a:off x="182880" y="5760720"/>
             <a:ext cx="914400" cy="914400"/>
           </a:xfrm>
           <a:prstGeom prst="roundRect">
             <a:avLst/>
           </a:prstGeom>
           <a:solidFill>
-            <a:srgbClr val="0078D7"/>
+            <a:srgbClr val="6432B4"/>
           </a:solidFill>
           <a:ln>
             <a:noFill/>
@@ -4789,9 +4877,181 @@
         <p:nvPr/>
       </p:nvGrpSpPr>
       <p:grpSpPr/>
+      <p:sp>
+        <p:nvSpPr>
+          <p:cNvPr id="2" name="Rectangle 1"/>
+          <p:cNvSpPr/>
+          <p:nvPr/>
+        </p:nvSpPr>
+        <p:spPr>
+          <a:xfrm>
+            <a:off x="0" y="0"/>
+            <a:ext cx="9144000" cy="6858000"/>
+          </a:xfrm>
+          <a:prstGeom prst="rect">
+            <a:avLst/>
+          </a:prstGeom>
+          <a:solidFill>
+            <a:srgbClr val="FFFFFF"/>
+          </a:solidFill>
+          <a:ln>
+            <a:noFill/>
+          </a:ln>
+        </p:spPr>
+        <p:style>
+          <a:lnRef idx="1">
+            <a:schemeClr val="accent1"/>
+          </a:lnRef>
+          <a:fillRef idx="3">
+            <a:schemeClr val="accent1"/>
+          </a:fillRef>
+          <a:effectRef idx="2">
+            <a:schemeClr val="accent1"/>
+          </a:effectRef>
+          <a:fontRef idx="minor">
+            <a:schemeClr val="lt1"/>
+          </a:fontRef>
+        </p:style>
+        <p:txBody>
+          <a:bodyPr rtlCol="0" anchor="ctr"/>
+          <a:lstStyle/>
+          <a:p>
+            <a:pPr algn="ctr"/>
+          </a:p>
+        </p:txBody>
+      </p:sp>
+      <p:sp>
+        <p:nvSpPr>
+          <p:cNvPr id="3" name="TextBox 2"/>
+          <p:cNvSpPr txBox="1"/>
+          <p:nvPr/>
+        </p:nvSpPr>
+        <p:spPr>
+          <a:xfrm>
+            <a:off x="731520" y="91440"/>
+            <a:ext cx="9144000" cy="914400"/>
+          </a:xfrm>
+          <a:prstGeom prst="rect">
+            <a:avLst/>
+          </a:prstGeom>
+          <a:noFill/>
+        </p:spPr>
+        <p:txBody>
+          <a:bodyPr wrap="square" anchor="t">
+            <a:spAutoFit/>
+          </a:bodyPr>
+          <a:lstStyle/>
+          <a:p/>
+          <a:p>
+            <a:pPr algn="l">
+              <a:spcBef>
+                <a:spcPts val="0"/>
+              </a:spcBef>
+              <a:spcAft>
+                <a:spcPts val="600"/>
+              </a:spcAft>
+            </a:pPr>
+            <a:r>
+              <a:rPr sz="3000" b="1">
+                <a:solidFill>
+                  <a:srgbClr val="1E1E23"/>
+                </a:solidFill>
+                <a:latin typeface="Comic Sans MS"/>
+              </a:rPr>
+              <a:t>Seguridad avanzada</a:t>
+            </a:r>
+          </a:p>
+        </p:txBody>
+      </p:sp>
+      <p:sp>
+        <p:nvSpPr>
+          <p:cNvPr id="4" name="Rectangle 3"/>
+          <p:cNvSpPr/>
+          <p:nvPr/>
+        </p:nvSpPr>
+        <p:spPr>
+          <a:xfrm>
+            <a:off x="731520" y="1143000"/>
+            <a:ext cx="2286000" cy="22860"/>
+          </a:xfrm>
+          <a:prstGeom prst="rect">
+            <a:avLst/>
+          </a:prstGeom>
+          <a:solidFill>
+            <a:srgbClr val="0078D7"/>
+          </a:solidFill>
+          <a:ln>
+            <a:noFill/>
+          </a:ln>
+        </p:spPr>
+        <p:style>
+          <a:lnRef idx="1">
+            <a:schemeClr val="accent1"/>
+          </a:lnRef>
+          <a:fillRef idx="3">
+            <a:schemeClr val="accent1"/>
+          </a:fillRef>
+          <a:effectRef idx="2">
+            <a:schemeClr val="accent1"/>
+          </a:effectRef>
+          <a:fontRef idx="minor">
+            <a:schemeClr val="lt1"/>
+          </a:fontRef>
+        </p:style>
+        <p:txBody>
+          <a:bodyPr rtlCol="0" anchor="ctr"/>
+          <a:lstStyle/>
+          <a:p>
+            <a:pPr algn="ctr"/>
+          </a:p>
+        </p:txBody>
+      </p:sp>
+      <p:sp>
+        <p:nvSpPr>
+          <p:cNvPr id="5" name="TextBox 4"/>
+          <p:cNvSpPr txBox="1"/>
+          <p:nvPr/>
+        </p:nvSpPr>
+        <p:spPr>
+          <a:xfrm>
+            <a:off x="731520" y="1234440"/>
+            <a:ext cx="4572000" cy="4892040"/>
+          </a:xfrm>
+          <a:prstGeom prst="rect">
+            <a:avLst/>
+          </a:prstGeom>
+          <a:noFill/>
+        </p:spPr>
+        <p:txBody>
+          <a:bodyPr wrap="square" anchor="t" lIns="0">
+            <a:noAutofit/>
+          </a:bodyPr>
+          <a:lstStyle/>
+          <a:p/>
+          <a:p>
+            <a:pPr algn="l">
+              <a:lnSpc>
+                <a:spcPct val="150000"/>
+              </a:lnSpc>
+              <a:spcAft>
+                <a:spcPts val="1200"/>
+              </a:spcAft>
+            </a:pPr>
+            <a:r>
+              <a:rPr sz="2000" b="0" i="1" u="none">
+                <a:solidFill>
+                  <a:srgbClr val="505055"/>
+                </a:solidFill>
+                <a:latin typeface="Times New Roman"/>
+              </a:rPr>
+              <a:t>Desde la ciberseguridad hasta la vigilancia física, la IA detectará amenazas y anomalías en tiempo real. Protegerá datos, infraestructuras críticas y ciudadanos, creando entornos más seguros y resilientes frente a delitos y ataques.</a:t>
+            </a:r>
+          </a:p>
+        </p:txBody>
+      </p:sp>
       <p:pic>
         <p:nvPicPr>
-          <p:cNvPr id="2" name="Picture 1" descr="Slide6.jpg"/>
+          <p:cNvPr id="6" name="Picture 5" descr="Slide6.jpg"/>
           <p:cNvPicPr>
             <a:picLocks noChangeAspect="1"/>
           </p:cNvPicPr>
@@ -4805,220 +5065,14 @@
         </p:blipFill>
         <p:spPr>
           <a:xfrm>
-            <a:off x="0" y="0"/>
-            <a:ext cx="9144000" cy="6858000"/>
+            <a:off x="5394960" y="2057400"/>
+            <a:ext cx="3657600" cy="2743200"/>
           </a:xfrm>
           <a:prstGeom prst="rect">
             <a:avLst/>
           </a:prstGeom>
         </p:spPr>
       </p:pic>
-      <p:sp>
-        <p:nvSpPr>
-          <p:cNvPr id="3" name="Rounded Rectangle 2"/>
-          <p:cNvSpPr/>
-          <p:nvPr/>
-        </p:nvSpPr>
-        <p:spPr>
-          <a:xfrm>
-            <a:off x="457200" y="1097280"/>
-            <a:ext cx="4572000" cy="4754880"/>
-          </a:xfrm>
-          <a:prstGeom prst="roundRect">
-            <a:avLst/>
-          </a:prstGeom>
-          <a:solidFill>
-            <a:srgbClr val="F5F5FA"/>
-          </a:solidFill>
-          <a:ln w="19050">
-            <a:solidFill>
-              <a:srgbClr val="008272"/>
-            </a:solidFill>
-          </a:ln>
-          <a:effectLst/>
-        </p:spPr>
-        <p:style>
-          <a:lnRef idx="1">
-            <a:schemeClr val="accent1"/>
-          </a:lnRef>
-          <a:fillRef idx="3">
-            <a:schemeClr val="accent1"/>
-          </a:fillRef>
-          <a:effectRef idx="2">
-            <a:schemeClr val="accent1"/>
-          </a:effectRef>
-          <a:fontRef idx="minor">
-            <a:schemeClr val="lt1"/>
-          </a:fontRef>
-        </p:style>
-        <p:txBody>
-          <a:bodyPr rtlCol="0" anchor="ctr"/>
-          <a:lstStyle/>
-          <a:p>
-            <a:pPr algn="ctr"/>
-          </a:p>
-        </p:txBody>
-      </p:sp>
-      <p:sp>
-        <p:nvSpPr>
-          <p:cNvPr id="4" name="TextBox 3"/>
-          <p:cNvSpPr txBox="1"/>
-          <p:nvPr/>
-        </p:nvSpPr>
-        <p:spPr>
-          <a:xfrm>
-            <a:off x="731520" y="1097280"/>
-            <a:ext cx="4023360" cy="914400"/>
-          </a:xfrm>
-          <a:prstGeom prst="rect">
-            <a:avLst/>
-          </a:prstGeom>
-          <a:noFill/>
-        </p:spPr>
-        <p:txBody>
-          <a:bodyPr wrap="square" anchor="t">
-            <a:spAutoFit/>
-          </a:bodyPr>
-          <a:lstStyle/>
-          <a:p>
-            <a:pPr algn="l"/>
-            <a:r>
-              <a:rPr sz="3300" b="1">
-                <a:solidFill>
-                  <a:srgbClr val="008272"/>
-                </a:solidFill>
-                <a:latin typeface="Comic Sans MS"/>
-              </a:rPr>
-              <a:t>Beneficios en Economía</a:t>
-            </a:r>
-          </a:p>
-        </p:txBody>
-      </p:sp>
-      <p:sp>
-        <p:nvSpPr>
-          <p:cNvPr id="5" name="Rectangle 4"/>
-          <p:cNvSpPr/>
-          <p:nvPr/>
-        </p:nvSpPr>
-        <p:spPr>
-          <a:xfrm>
-            <a:off x="731520" y="2194560"/>
-            <a:ext cx="3657600" cy="45720"/>
-          </a:xfrm>
-          <a:prstGeom prst="rect">
-            <a:avLst/>
-          </a:prstGeom>
-          <a:solidFill>
-            <a:srgbClr val="008272"/>
-          </a:solidFill>
-          <a:ln>
-            <a:noFill/>
-          </a:ln>
-        </p:spPr>
-        <p:style>
-          <a:lnRef idx="1">
-            <a:schemeClr val="accent1"/>
-          </a:lnRef>
-          <a:fillRef idx="3">
-            <a:schemeClr val="accent1"/>
-          </a:fillRef>
-          <a:effectRef idx="2">
-            <a:schemeClr val="accent1"/>
-          </a:effectRef>
-          <a:fontRef idx="minor">
-            <a:schemeClr val="lt1"/>
-          </a:fontRef>
-        </p:style>
-        <p:txBody>
-          <a:bodyPr rtlCol="0" anchor="ctr"/>
-          <a:lstStyle/>
-          <a:p>
-            <a:pPr algn="ctr"/>
-          </a:p>
-        </p:txBody>
-      </p:sp>
-      <p:sp>
-        <p:nvSpPr>
-          <p:cNvPr id="6" name="TextBox 5"/>
-          <p:cNvSpPr txBox="1"/>
-          <p:nvPr/>
-        </p:nvSpPr>
-        <p:spPr>
-          <a:xfrm>
-            <a:off x="731520" y="2286000"/>
-            <a:ext cx="4023360" cy="3291840"/>
-          </a:xfrm>
-          <a:prstGeom prst="rect">
-            <a:avLst/>
-          </a:prstGeom>
-          <a:noFill/>
-        </p:spPr>
-        <p:txBody>
-          <a:bodyPr wrap="square" tIns="-228600" bIns="73152" rIns="228600" anchor="t">
-            <a:spAutoFit/>
-          </a:bodyPr>
-          <a:lstStyle/>
-          <a:p/>
-          <a:p>
-            <a:pPr>
-              <a:defRPr sz="2000">
-                <a:solidFill>
-                  <a:srgbClr val="284641"/>
-                </a:solidFill>
-              </a:defRPr>
-            </a:pPr>
-            <a:r>
-              <a:rPr b="0" i="1" u="none">
-                <a:latin typeface="Times New Roman"/>
-              </a:rPr>
-              <a:t>La IA impulsa el crecimiento económico al optimizar procesos, predecir tendencias de mercado y crear empleos innovadores, aumentando la productividad y la eficiencia global.</a:t>
-            </a:r>
-          </a:p>
-        </p:txBody>
-      </p:sp>
-      <p:sp>
-        <p:nvSpPr>
-          <p:cNvPr id="7" name="Rounded Rectangle 6"/>
-          <p:cNvSpPr/>
-          <p:nvPr/>
-        </p:nvSpPr>
-        <p:spPr>
-          <a:xfrm rot="2700000">
-            <a:off x="4114800" y="4937760"/>
-            <a:ext cx="731520" cy="731520"/>
-          </a:xfrm>
-          <a:prstGeom prst="roundRect">
-            <a:avLst/>
-          </a:prstGeom>
-          <a:solidFill>
-            <a:srgbClr val="008272"/>
-          </a:solidFill>
-          <a:ln>
-            <a:noFill/>
-          </a:ln>
-        </p:spPr>
-        <p:style>
-          <a:lnRef idx="1">
-            <a:schemeClr val="accent1"/>
-          </a:lnRef>
-          <a:fillRef idx="3">
-            <a:schemeClr val="accent1"/>
-          </a:fillRef>
-          <a:effectRef idx="2">
-            <a:schemeClr val="accent1"/>
-          </a:effectRef>
-          <a:fontRef idx="minor">
-            <a:schemeClr val="lt1"/>
-          </a:fontRef>
-        </p:style>
-        <p:txBody>
-          <a:bodyPr rtlCol="0" anchor="ctr"/>
-          <a:lstStyle/>
-          <a:p>
-            <a:pPr algn="ctr"/>
-          </a:p>
-        </p:txBody>
-      </p:sp>
     </p:spTree>
   </p:cSld>
   <p:clrMapOvr>
@@ -5037,9 +5091,49 @@
         <p:nvPr/>
       </p:nvGrpSpPr>
       <p:grpSpPr/>
+      <p:sp>
+        <p:nvSpPr>
+          <p:cNvPr id="2" name="Rectangle 1"/>
+          <p:cNvSpPr/>
+          <p:nvPr/>
+        </p:nvSpPr>
+        <p:spPr>
+          <a:xfrm>
+            <a:off x="0" y="0"/>
+            <a:ext cx="9144000" cy="6858000"/>
+          </a:xfrm>
+          <a:prstGeom prst="rect">
+            <a:avLst/>
+          </a:prstGeom>
+          <a:solidFill>
+            <a:srgbClr val="F0F0F0"/>
+          </a:solidFill>
+        </p:spPr>
+        <p:style>
+          <a:lnRef idx="1">
+            <a:schemeClr val="accent1"/>
+          </a:lnRef>
+          <a:fillRef idx="3">
+            <a:schemeClr val="accent1"/>
+          </a:fillRef>
+          <a:effectRef idx="2">
+            <a:schemeClr val="accent1"/>
+          </a:effectRef>
+          <a:fontRef idx="minor">
+            <a:schemeClr val="lt1"/>
+          </a:fontRef>
+        </p:style>
+        <p:txBody>
+          <a:bodyPr rtlCol="0" anchor="ctr"/>
+          <a:lstStyle/>
+          <a:p>
+            <a:pPr algn="ctr"/>
+          </a:p>
+        </p:txBody>
+      </p:sp>
       <p:pic>
         <p:nvPicPr>
-          <p:cNvPr id="2" name="Picture 1" descr="Slide_darker.jpg"/>
+          <p:cNvPr id="3" name="Picture 2" descr="Slide7.jpg"/>
           <p:cNvPicPr>
             <a:picLocks noChangeAspect="1"/>
           </p:cNvPicPr>
@@ -5053,24 +5147,110 @@
         </p:blipFill>
         <p:spPr>
           <a:xfrm>
+            <a:off x="4572000" y="0"/>
+            <a:ext cx="4572000" cy="6903720"/>
+          </a:xfrm>
+          <a:prstGeom prst="rect">
+            <a:avLst/>
+          </a:prstGeom>
+        </p:spPr>
+      </p:pic>
+      <p:sp>
+        <p:nvSpPr>
+          <p:cNvPr id="4" name="Rectangle 3"/>
+          <p:cNvSpPr/>
+          <p:nvPr/>
+        </p:nvSpPr>
+        <p:spPr>
+          <a:xfrm>
+            <a:off x="4480560" y="0"/>
+            <a:ext cx="91440" cy="6858000"/>
+          </a:xfrm>
+          <a:prstGeom prst="rect">
+            <a:avLst/>
+          </a:prstGeom>
+          <a:solidFill>
+            <a:srgbClr val="217346"/>
+          </a:solidFill>
+          <a:ln>
+            <a:noFill/>
+          </a:ln>
+        </p:spPr>
+        <p:style>
+          <a:lnRef idx="1">
+            <a:schemeClr val="accent1"/>
+          </a:lnRef>
+          <a:fillRef idx="3">
+            <a:schemeClr val="accent1"/>
+          </a:fillRef>
+          <a:effectRef idx="2">
+            <a:schemeClr val="accent1"/>
+          </a:effectRef>
+          <a:fontRef idx="minor">
+            <a:schemeClr val="lt1"/>
+          </a:fontRef>
+        </p:style>
+        <p:txBody>
+          <a:bodyPr rtlCol="0" anchor="ctr"/>
+          <a:lstStyle/>
+          <a:p>
+            <a:pPr algn="ctr"/>
+          </a:p>
+        </p:txBody>
+      </p:sp>
+      <p:sp>
+        <p:nvSpPr>
+          <p:cNvPr id="5" name="Rectangle 4"/>
+          <p:cNvSpPr/>
+          <p:nvPr/>
+        </p:nvSpPr>
+        <p:spPr>
+          <a:xfrm>
             <a:off x="0" y="0"/>
-            <a:ext cx="9144000" cy="6858000"/>
+            <a:ext cx="4480560" cy="6858000"/>
           </a:xfrm>
           <a:prstGeom prst="rect">
             <a:avLst/>
           </a:prstGeom>
-        </p:spPr>
-      </p:pic>
-      <p:sp>
-        <p:nvSpPr>
-          <p:cNvPr id="3" name="TextBox 2"/>
+          <a:solidFill>
+            <a:srgbClr val="FAFAFA"/>
+          </a:solidFill>
+          <a:ln>
+            <a:noFill/>
+          </a:ln>
+        </p:spPr>
+        <p:style>
+          <a:lnRef idx="1">
+            <a:schemeClr val="accent1"/>
+          </a:lnRef>
+          <a:fillRef idx="3">
+            <a:schemeClr val="accent1"/>
+          </a:fillRef>
+          <a:effectRef idx="2">
+            <a:schemeClr val="accent1"/>
+          </a:effectRef>
+          <a:fontRef idx="minor">
+            <a:schemeClr val="lt1"/>
+          </a:fontRef>
+        </p:style>
+        <p:txBody>
+          <a:bodyPr rtlCol="0" anchor="ctr"/>
+          <a:lstStyle/>
+          <a:p>
+            <a:pPr algn="ctr"/>
+          </a:p>
+        </p:txBody>
+      </p:sp>
+      <p:sp>
+        <p:nvSpPr>
+          <p:cNvPr id="6" name="TextBox 5"/>
           <p:cNvSpPr txBox="1"/>
           <p:nvPr/>
         </p:nvSpPr>
         <p:spPr>
           <a:xfrm>
-            <a:off x="2286000" y="457200"/>
-            <a:ext cx="4572000" cy="914400"/>
+            <a:off x="1097280" y="182880"/>
+            <a:ext cx="3017520" cy="1097280"/>
           </a:xfrm>
           <a:prstGeom prst="rect">
             <a:avLst/>
@@ -5078,34 +5258,76 @@
           <a:noFill/>
         </p:spPr>
         <p:txBody>
-          <a:bodyPr wrap="square" bIns="0" lIns="228600" anchor="ctr">
+          <a:bodyPr wrap="square" bIns="0" lIns="228600" anchor="t">
             <a:spAutoFit/>
           </a:bodyPr>
           <a:lstStyle/>
           <a:p>
-            <a:pPr algn="ctr"/>
-            <a:r>
-              <a:rPr sz="3300" b="1">
+            <a:r>
+              <a:rPr sz="3000" b="1">
                 <a:solidFill>
-                  <a:srgbClr val="FFFFFF"/>
+                  <a:srgbClr val="217346"/>
                 </a:solidFill>
                 <a:latin typeface="Comic Sans MS"/>
               </a:rPr>
-              <a:t>Beneficios en Educación</a:t>
-            </a:r>
-          </a:p>
-        </p:txBody>
-      </p:sp>
-      <p:sp>
-        <p:nvSpPr>
-          <p:cNvPr id="4" name="TextBox 3"/>
+              <a:t>Accesibilidad universal</a:t>
+            </a:r>
+          </a:p>
+        </p:txBody>
+      </p:sp>
+      <p:sp>
+        <p:nvSpPr>
+          <p:cNvPr id="7" name="Rectangle 6"/>
+          <p:cNvSpPr/>
+          <p:nvPr/>
+        </p:nvSpPr>
+        <p:spPr>
+          <a:xfrm>
+            <a:off x="365760" y="1920240"/>
+            <a:ext cx="3657600" cy="45720"/>
+          </a:xfrm>
+          <a:prstGeom prst="rect">
+            <a:avLst/>
+          </a:prstGeom>
+          <a:solidFill>
+            <a:srgbClr val="217346"/>
+          </a:solidFill>
+          <a:ln>
+            <a:noFill/>
+          </a:ln>
+        </p:spPr>
+        <p:style>
+          <a:lnRef idx="1">
+            <a:schemeClr val="accent1"/>
+          </a:lnRef>
+          <a:fillRef idx="3">
+            <a:schemeClr val="accent1"/>
+          </a:fillRef>
+          <a:effectRef idx="2">
+            <a:schemeClr val="accent1"/>
+          </a:effectRef>
+          <a:fontRef idx="minor">
+            <a:schemeClr val="lt1"/>
+          </a:fontRef>
+        </p:style>
+        <p:txBody>
+          <a:bodyPr rtlCol="0" anchor="ctr"/>
+          <a:lstStyle/>
+          <a:p>
+            <a:pPr algn="ctr"/>
+          </a:p>
+        </p:txBody>
+      </p:sp>
+      <p:sp>
+        <p:nvSpPr>
+          <p:cNvPr id="8" name="TextBox 7"/>
           <p:cNvSpPr txBox="1"/>
           <p:nvPr/>
         </p:nvSpPr>
         <p:spPr>
           <a:xfrm>
-            <a:off x="914400" y="1371600"/>
-            <a:ext cx="7315200" cy="3657600"/>
+            <a:off x="365760" y="1828800"/>
+            <a:ext cx="3657600" cy="3657600"/>
           </a:xfrm>
           <a:prstGeom prst="rect">
             <a:avLst/>
@@ -5113,16 +5335,16 @@
           <a:noFill/>
         </p:spPr>
         <p:txBody>
-          <a:bodyPr wrap="square" bIns="73152" lIns="228600" anchor="ctr">
+          <a:bodyPr wrap="square" bIns="73152" lIns="228600" anchor="t">
             <a:spAutoFit/>
           </a:bodyPr>
           <a:lstStyle/>
           <a:p/>
           <a:p>
-            <a:pPr algn="ctr">
+            <a:pPr>
               <a:defRPr sz="2000">
                 <a:solidFill>
-                  <a:srgbClr val="FFFFFF"/>
+                  <a:srgbClr val="323232"/>
                 </a:solidFill>
               </a:defRPr>
             </a:pPr>
@@ -5130,8 +5352,51 @@
               <a:rPr b="0" i="1" u="none">
                 <a:latin typeface="Times New Roman"/>
               </a:rPr>
-              <a:t>En educación, la IA ofrece aprendizaje adaptado, herramientas interactivas y acceso universal a conocimientos, potenciando la equidad y el rendimiento académico de los estudiantes.</a:t>
-            </a:r>
+              <a:t>Herramientas de IA romperán barreras para personas con discapacidades, facilitando la comunicación, navegación y acceso a información. Esto fomentará una sociedad más inclusiva, donde la tecnología sirve para empoderar a todos los individuos.</a:t>
+            </a:r>
+          </a:p>
+        </p:txBody>
+      </p:sp>
+      <p:sp>
+        <p:nvSpPr>
+          <p:cNvPr id="9" name="Rounded Rectangle 8"/>
+          <p:cNvSpPr/>
+          <p:nvPr/>
+        </p:nvSpPr>
+        <p:spPr>
+          <a:xfrm rot="2700000">
+            <a:off x="182880" y="274320"/>
+            <a:ext cx="914400" cy="914400"/>
+          </a:xfrm>
+          <a:prstGeom prst="roundRect">
+            <a:avLst/>
+          </a:prstGeom>
+          <a:solidFill>
+            <a:srgbClr val="217346"/>
+          </a:solidFill>
+          <a:ln>
+            <a:noFill/>
+          </a:ln>
+        </p:spPr>
+        <p:style>
+          <a:lnRef idx="1">
+            <a:schemeClr val="accent1"/>
+          </a:lnRef>
+          <a:fillRef idx="3">
+            <a:schemeClr val="accent1"/>
+          </a:fillRef>
+          <a:effectRef idx="2">
+            <a:schemeClr val="accent1"/>
+          </a:effectRef>
+          <a:fontRef idx="minor">
+            <a:schemeClr val="lt1"/>
+          </a:fontRef>
+        </p:style>
+        <p:txBody>
+          <a:bodyPr rtlCol="0" anchor="ctr"/>
+          <a:lstStyle/>
+          <a:p>
+            <a:pPr algn="ctr"/>
           </a:p>
         </p:txBody>
       </p:sp>
@@ -5168,11 +5433,8 @@
             <a:avLst/>
           </a:prstGeom>
           <a:solidFill>
-            <a:srgbClr val="F5F5FA"/>
+            <a:srgbClr val="F0F0F0"/>
           </a:solidFill>
-          <a:ln>
-            <a:noFill/>
-          </a:ln>
         </p:spPr>
         <p:style>
           <a:lnRef idx="1">
@@ -5196,172 +5458,9 @@
           </a:p>
         </p:txBody>
       </p:sp>
-      <p:sp>
-        <p:nvSpPr>
-          <p:cNvPr id="3" name="Rectangle 2"/>
-          <p:cNvSpPr/>
-          <p:nvPr/>
-        </p:nvSpPr>
-        <p:spPr>
-          <a:xfrm>
-            <a:off x="8869680" y="0"/>
-            <a:ext cx="274320" cy="6858000"/>
-          </a:xfrm>
-          <a:prstGeom prst="rect">
-            <a:avLst/>
-          </a:prstGeom>
-          <a:solidFill>
-            <a:srgbClr val="6432B4"/>
-          </a:solidFill>
-          <a:ln>
-            <a:noFill/>
-          </a:ln>
-        </p:spPr>
-        <p:style>
-          <a:lnRef idx="1">
-            <a:schemeClr val="accent1"/>
-          </a:lnRef>
-          <a:fillRef idx="3">
-            <a:schemeClr val="accent1"/>
-          </a:fillRef>
-          <a:effectRef idx="2">
-            <a:schemeClr val="accent1"/>
-          </a:effectRef>
-          <a:fontRef idx="minor">
-            <a:schemeClr val="lt1"/>
-          </a:fontRef>
-        </p:style>
-        <p:txBody>
-          <a:bodyPr rtlCol="0" anchor="ctr"/>
-          <a:lstStyle/>
-          <a:p>
-            <a:pPr algn="ctr"/>
-          </a:p>
-        </p:txBody>
-      </p:sp>
-      <p:sp>
-        <p:nvSpPr>
-          <p:cNvPr id="4" name="TextBox 3"/>
-          <p:cNvSpPr txBox="1"/>
-          <p:nvPr/>
-        </p:nvSpPr>
-        <p:spPr>
-          <a:xfrm>
-            <a:off x="640080" y="274320"/>
-            <a:ext cx="7863840" cy="914400"/>
-          </a:xfrm>
-          <a:prstGeom prst="rect">
-            <a:avLst/>
-          </a:prstGeom>
-          <a:noFill/>
-        </p:spPr>
-        <p:txBody>
-          <a:bodyPr wrap="square" anchor="ctr">
-            <a:spAutoFit/>
-          </a:bodyPr>
-          <a:lstStyle/>
-          <a:p>
-            <a:pPr algn="ctr"/>
-            <a:r>
-              <a:rPr sz="3300" b="1">
-                <a:solidFill>
-                  <a:srgbClr val="50148C"/>
-                </a:solidFill>
-                <a:latin typeface="Comic Sans MS"/>
-              </a:rPr>
-              <a:t>Conclusión</a:t>
-            </a:r>
-          </a:p>
-        </p:txBody>
-      </p:sp>
-      <p:sp>
-        <p:nvSpPr>
-          <p:cNvPr id="5" name="Rectangle 4"/>
-          <p:cNvSpPr/>
-          <p:nvPr/>
-        </p:nvSpPr>
-        <p:spPr>
-          <a:xfrm>
-            <a:off x="2743200" y="1463040"/>
-            <a:ext cx="3657600" cy="45720"/>
-          </a:xfrm>
-          <a:prstGeom prst="rect">
-            <a:avLst/>
-          </a:prstGeom>
-          <a:solidFill>
-            <a:srgbClr val="6432B4"/>
-          </a:solidFill>
-          <a:ln>
-            <a:noFill/>
-          </a:ln>
-        </p:spPr>
-        <p:style>
-          <a:lnRef idx="1">
-            <a:schemeClr val="accent1"/>
-          </a:lnRef>
-          <a:fillRef idx="3">
-            <a:schemeClr val="accent1"/>
-          </a:fillRef>
-          <a:effectRef idx="2">
-            <a:schemeClr val="accent1"/>
-          </a:effectRef>
-          <a:fontRef idx="minor">
-            <a:schemeClr val="lt1"/>
-          </a:fontRef>
-        </p:style>
-        <p:txBody>
-          <a:bodyPr rtlCol="0" anchor="ctr"/>
-          <a:lstStyle/>
-          <a:p>
-            <a:pPr algn="ctr"/>
-          </a:p>
-        </p:txBody>
-      </p:sp>
-      <p:sp>
-        <p:nvSpPr>
-          <p:cNvPr id="6" name="Rectangle 5"/>
-          <p:cNvSpPr/>
-          <p:nvPr/>
-        </p:nvSpPr>
-        <p:spPr>
-          <a:xfrm>
-            <a:off x="4846320" y="1828800"/>
-            <a:ext cx="3657600" cy="3657600"/>
-          </a:xfrm>
-          <a:prstGeom prst="rect">
-            <a:avLst/>
-          </a:prstGeom>
-          <a:ln w="25400">
-            <a:solidFill>
-              <a:srgbClr val="6432B4"/>
-            </a:solidFill>
-          </a:ln>
-        </p:spPr>
-        <p:style>
-          <a:lnRef idx="1">
-            <a:schemeClr val="accent1"/>
-          </a:lnRef>
-          <a:fillRef idx="3">
-            <a:schemeClr val="accent1"/>
-          </a:fillRef>
-          <a:effectRef idx="2">
-            <a:schemeClr val="accent1"/>
-          </a:effectRef>
-          <a:fontRef idx="minor">
-            <a:schemeClr val="lt1"/>
-          </a:fontRef>
-        </p:style>
-        <p:txBody>
-          <a:bodyPr rtlCol="0" anchor="ctr"/>
-          <a:lstStyle/>
-          <a:p>
-            <a:pPr algn="ctr"/>
-          </a:p>
-        </p:txBody>
-      </p:sp>
       <p:pic>
         <p:nvPicPr>
-          <p:cNvPr id="7" name="Picture 6" descr="Slide8.jpg"/>
+          <p:cNvPr id="3" name="Picture 2" descr="Slide8.jpg"/>
           <p:cNvPicPr>
             <a:picLocks noChangeAspect="1"/>
           </p:cNvPicPr>
@@ -5375,8 +5474,8 @@
         </p:blipFill>
         <p:spPr>
           <a:xfrm>
-            <a:off x="4846320" y="1828800"/>
-            <a:ext cx="3657600" cy="3657600"/>
+            <a:off x="0" y="0"/>
+            <a:ext cx="4572000" cy="6903720"/>
           </a:xfrm>
           <a:prstGeom prst="rect">
             <a:avLst/>
@@ -5385,27 +5484,24 @@
       </p:pic>
       <p:sp>
         <p:nvSpPr>
-          <p:cNvPr id="8" name="Rounded Rectangle 7"/>
+          <p:cNvPr id="4" name="Rectangle 3"/>
           <p:cNvSpPr/>
           <p:nvPr/>
         </p:nvSpPr>
         <p:spPr>
           <a:xfrm>
-            <a:off x="914400" y="1828800"/>
-            <a:ext cx="3657600" cy="3657600"/>
-          </a:xfrm>
-          <a:prstGeom prst="roundRect">
+            <a:off x="4572000" y="0"/>
+            <a:ext cx="91440" cy="6858000"/>
+          </a:xfrm>
+          <a:prstGeom prst="rect">
             <a:avLst/>
           </a:prstGeom>
           <a:solidFill>
-            <a:srgbClr val="F0F0FA"/>
+            <a:srgbClr val="0078D7"/>
           </a:solidFill>
-          <a:ln w="12700">
-            <a:solidFill>
-              <a:srgbClr val="6432B4"/>
-            </a:solidFill>
+          <a:ln>
+            <a:noFill/>
           </a:ln>
-          <a:effectLst/>
         </p:spPr>
         <p:style>
           <a:lnRef idx="1">
@@ -5431,14 +5527,57 @@
       </p:sp>
       <p:sp>
         <p:nvSpPr>
-          <p:cNvPr id="9" name="TextBox 8"/>
+          <p:cNvPr id="5" name="Rectangle 4"/>
+          <p:cNvSpPr/>
+          <p:nvPr/>
+        </p:nvSpPr>
+        <p:spPr>
+          <a:xfrm>
+            <a:off x="4663440" y="0"/>
+            <a:ext cx="4480560" cy="6858000"/>
+          </a:xfrm>
+          <a:prstGeom prst="rect">
+            <a:avLst/>
+          </a:prstGeom>
+          <a:solidFill>
+            <a:srgbClr val="FAFAFA"/>
+          </a:solidFill>
+          <a:ln>
+            <a:noFill/>
+          </a:ln>
+        </p:spPr>
+        <p:style>
+          <a:lnRef idx="1">
+            <a:schemeClr val="accent1"/>
+          </a:lnRef>
+          <a:fillRef idx="3">
+            <a:schemeClr val="accent1"/>
+          </a:fillRef>
+          <a:effectRef idx="2">
+            <a:schemeClr val="accent1"/>
+          </a:effectRef>
+          <a:fontRef idx="minor">
+            <a:schemeClr val="lt1"/>
+          </a:fontRef>
+        </p:style>
+        <p:txBody>
+          <a:bodyPr rtlCol="0" anchor="ctr"/>
+          <a:lstStyle/>
+          <a:p>
+            <a:pPr algn="ctr"/>
+          </a:p>
+        </p:txBody>
+      </p:sp>
+      <p:sp>
+        <p:nvSpPr>
+          <p:cNvPr id="6" name="TextBox 5"/>
           <p:cNvSpPr txBox="1"/>
           <p:nvPr/>
         </p:nvSpPr>
         <p:spPr>
           <a:xfrm>
-            <a:off x="1005840" y="1920240"/>
-            <a:ext cx="3474720" cy="3474720"/>
+            <a:off x="4846320" y="182880"/>
+            <a:ext cx="3017520" cy="1097280"/>
           </a:xfrm>
           <a:prstGeom prst="rect">
             <a:avLst/>
@@ -5446,7 +5585,84 @@
           <a:noFill/>
         </p:spPr>
         <p:txBody>
-          <a:bodyPr wrap="square" tIns="-228600" lIns="228600" rIns="228600" anchor="t">
+          <a:bodyPr wrap="square" bIns="0" lIns="228600" anchor="t">
+            <a:spAutoFit/>
+          </a:bodyPr>
+          <a:lstStyle/>
+          <a:p>
+            <a:r>
+              <a:rPr sz="3000" b="1">
+                <a:solidFill>
+                  <a:srgbClr val="0078D7"/>
+                </a:solidFill>
+                <a:latin typeface="Comic Sans MS"/>
+              </a:rPr>
+              <a:t>Descubrimiento científico</a:t>
+            </a:r>
+          </a:p>
+        </p:txBody>
+      </p:sp>
+      <p:sp>
+        <p:nvSpPr>
+          <p:cNvPr id="7" name="Rectangle 6"/>
+          <p:cNvSpPr/>
+          <p:nvPr/>
+        </p:nvSpPr>
+        <p:spPr>
+          <a:xfrm>
+            <a:off x="4846320" y="1920240"/>
+            <a:ext cx="3657600" cy="45720"/>
+          </a:xfrm>
+          <a:prstGeom prst="rect">
+            <a:avLst/>
+          </a:prstGeom>
+          <a:solidFill>
+            <a:srgbClr val="0078D7"/>
+          </a:solidFill>
+          <a:ln>
+            <a:noFill/>
+          </a:ln>
+        </p:spPr>
+        <p:style>
+          <a:lnRef idx="1">
+            <a:schemeClr val="accent1"/>
+          </a:lnRef>
+          <a:fillRef idx="3">
+            <a:schemeClr val="accent1"/>
+          </a:fillRef>
+          <a:effectRef idx="2">
+            <a:schemeClr val="accent1"/>
+          </a:effectRef>
+          <a:fontRef idx="minor">
+            <a:schemeClr val="lt1"/>
+          </a:fontRef>
+        </p:style>
+        <p:txBody>
+          <a:bodyPr rtlCol="0" anchor="ctr"/>
+          <a:lstStyle/>
+          <a:p>
+            <a:pPr algn="ctr"/>
+          </a:p>
+        </p:txBody>
+      </p:sp>
+      <p:sp>
+        <p:nvSpPr>
+          <p:cNvPr id="8" name="TextBox 7"/>
+          <p:cNvSpPr txBox="1"/>
+          <p:nvPr/>
+        </p:nvSpPr>
+        <p:spPr>
+          <a:xfrm>
+            <a:off x="4846320" y="1828800"/>
+            <a:ext cx="3657600" cy="3657600"/>
+          </a:xfrm>
+          <a:prstGeom prst="rect">
+            <a:avLst/>
+          </a:prstGeom>
+          <a:noFill/>
+        </p:spPr>
+        <p:txBody>
+          <a:bodyPr wrap="square" bIns="73152" lIns="228600" anchor="t">
             <a:spAutoFit/>
           </a:bodyPr>
           <a:lstStyle/>
@@ -5455,7 +5671,7 @@
             <a:pPr>
               <a:defRPr sz="2000">
                 <a:solidFill>
-                  <a:srgbClr val="3C1478"/>
+                  <a:srgbClr val="323232"/>
                 </a:solidFill>
               </a:defRPr>
             </a:pPr>
@@ -5463,11 +5679,393 @@
               <a:rPr b="0" i="1" u="none">
                 <a:latin typeface="Times New Roman"/>
               </a:rPr>
-              <a:t>En resumen, la IA traerá cambios profundos y beneficios como mayor eficiencia, innovación y calidad de vida, pero requiere ética y regulación para mitigar riesgos potenciales.</a:t>
-            </a:r>
-          </a:p>
-        </p:txBody>
-      </p:sp>
+              <a:t>La IA acelerará la investigación en campos como la ciencia de materiales, astrofísica y biotecnología. Analizará vastos conjuntos de datos para identificar patrones y formular hipótesis, llevando a avances científicos y tecnológicos exponenciales.</a:t>
+            </a:r>
+          </a:p>
+        </p:txBody>
+      </p:sp>
+      <p:sp>
+        <p:nvSpPr>
+          <p:cNvPr id="9" name="Rounded Rectangle 8"/>
+          <p:cNvSpPr/>
+          <p:nvPr/>
+        </p:nvSpPr>
+        <p:spPr>
+          <a:xfrm rot="2700000">
+            <a:off x="8046720" y="274320"/>
+            <a:ext cx="914400" cy="914400"/>
+          </a:xfrm>
+          <a:prstGeom prst="roundRect">
+            <a:avLst/>
+          </a:prstGeom>
+          <a:solidFill>
+            <a:srgbClr val="0078D7"/>
+          </a:solidFill>
+          <a:ln>
+            <a:noFill/>
+          </a:ln>
+        </p:spPr>
+        <p:style>
+          <a:lnRef idx="1">
+            <a:schemeClr val="accent1"/>
+          </a:lnRef>
+          <a:fillRef idx="3">
+            <a:schemeClr val="accent1"/>
+          </a:fillRef>
+          <a:effectRef idx="2">
+            <a:schemeClr val="accent1"/>
+          </a:effectRef>
+          <a:fontRef idx="minor">
+            <a:schemeClr val="lt1"/>
+          </a:fontRef>
+        </p:style>
+        <p:txBody>
+          <a:bodyPr rtlCol="0" anchor="ctr"/>
+          <a:lstStyle/>
+          <a:p>
+            <a:pPr algn="ctr"/>
+          </a:p>
+        </p:txBody>
+      </p:sp>
+    </p:spTree>
+  </p:cSld>
+  <p:clrMapOvr>
+    <a:masterClrMapping/>
+  </p:clrMapOvr>
+</p:sld>
+</file>
+
+<file path=ppt/slides/slide9.xml><?xml version="1.0" encoding="utf-8"?>
+<p:sld xmlns:a="http://schemas.openxmlformats.org/drawingml/2006/main" xmlns:p="http://schemas.openxmlformats.org/presentationml/2006/main" xmlns:r="http://schemas.openxmlformats.org/officeDocument/2006/relationships">
+  <p:cSld>
+    <p:spTree>
+      <p:nvGrpSpPr>
+        <p:cNvPr id="1" name=""/>
+        <p:cNvGrpSpPr/>
+        <p:nvPr/>
+      </p:nvGrpSpPr>
+      <p:grpSpPr/>
+      <p:sp>
+        <p:nvSpPr>
+          <p:cNvPr id="2" name="Rectangle 1"/>
+          <p:cNvSpPr/>
+          <p:nvPr/>
+        </p:nvSpPr>
+        <p:spPr>
+          <a:xfrm>
+            <a:off x="0" y="0"/>
+            <a:ext cx="9144000" cy="6858000"/>
+          </a:xfrm>
+          <a:prstGeom prst="rect">
+            <a:avLst/>
+          </a:prstGeom>
+          <a:solidFill>
+            <a:srgbClr val="F8F9FA"/>
+          </a:solidFill>
+          <a:ln>
+            <a:noFill/>
+          </a:ln>
+        </p:spPr>
+        <p:style>
+          <a:lnRef idx="1">
+            <a:schemeClr val="accent1"/>
+          </a:lnRef>
+          <a:fillRef idx="3">
+            <a:schemeClr val="accent1"/>
+          </a:fillRef>
+          <a:effectRef idx="2">
+            <a:schemeClr val="accent1"/>
+          </a:effectRef>
+          <a:fontRef idx="minor">
+            <a:schemeClr val="lt1"/>
+          </a:fontRef>
+        </p:style>
+        <p:txBody>
+          <a:bodyPr rtlCol="0" anchor="ctr"/>
+          <a:lstStyle/>
+          <a:p>
+            <a:pPr algn="ctr"/>
+          </a:p>
+        </p:txBody>
+      </p:sp>
+      <p:sp>
+        <p:nvSpPr>
+          <p:cNvPr id="3" name="Rectangle 2"/>
+          <p:cNvSpPr/>
+          <p:nvPr/>
+        </p:nvSpPr>
+        <p:spPr>
+          <a:xfrm>
+            <a:off x="0" y="0"/>
+            <a:ext cx="137160" cy="6858000"/>
+          </a:xfrm>
+          <a:prstGeom prst="rect">
+            <a:avLst/>
+          </a:prstGeom>
+          <a:solidFill>
+            <a:srgbClr val="00529A"/>
+          </a:solidFill>
+          <a:ln>
+            <a:noFill/>
+          </a:ln>
+        </p:spPr>
+        <p:style>
+          <a:lnRef idx="1">
+            <a:schemeClr val="accent1"/>
+          </a:lnRef>
+          <a:fillRef idx="3">
+            <a:schemeClr val="accent1"/>
+          </a:fillRef>
+          <a:effectRef idx="2">
+            <a:schemeClr val="accent1"/>
+          </a:effectRef>
+          <a:fontRef idx="minor">
+            <a:schemeClr val="lt1"/>
+          </a:fontRef>
+        </p:style>
+        <p:txBody>
+          <a:bodyPr rtlCol="0" anchor="ctr"/>
+          <a:lstStyle/>
+          <a:p>
+            <a:pPr algn="ctr"/>
+          </a:p>
+        </p:txBody>
+      </p:sp>
+      <p:sp>
+        <p:nvSpPr>
+          <p:cNvPr id="4" name="Rectangle 3"/>
+          <p:cNvSpPr/>
+          <p:nvPr/>
+        </p:nvSpPr>
+        <p:spPr>
+          <a:xfrm>
+            <a:off x="182880" y="0"/>
+            <a:ext cx="45720" cy="6858000"/>
+          </a:xfrm>
+          <a:prstGeom prst="rect">
+            <a:avLst/>
+          </a:prstGeom>
+          <a:solidFill>
+            <a:srgbClr val="4091D7"/>
+          </a:solidFill>
+          <a:ln>
+            <a:noFill/>
+          </a:ln>
+        </p:spPr>
+        <p:style>
+          <a:lnRef idx="1">
+            <a:schemeClr val="accent1"/>
+          </a:lnRef>
+          <a:fillRef idx="3">
+            <a:schemeClr val="accent1"/>
+          </a:fillRef>
+          <a:effectRef idx="2">
+            <a:schemeClr val="accent1"/>
+          </a:effectRef>
+          <a:fontRef idx="minor">
+            <a:schemeClr val="lt1"/>
+          </a:fontRef>
+        </p:style>
+        <p:txBody>
+          <a:bodyPr rtlCol="0" anchor="ctr"/>
+          <a:lstStyle/>
+          <a:p>
+            <a:pPr algn="ctr"/>
+          </a:p>
+        </p:txBody>
+      </p:sp>
+      <p:sp>
+        <p:nvSpPr>
+          <p:cNvPr id="5" name="TextBox 4"/>
+          <p:cNvSpPr txBox="1"/>
+          <p:nvPr/>
+        </p:nvSpPr>
+        <p:spPr>
+          <a:xfrm>
+            <a:off x="640080" y="457200"/>
+            <a:ext cx="7863840" cy="731520"/>
+          </a:xfrm>
+          <a:prstGeom prst="rect">
+            <a:avLst/>
+          </a:prstGeom>
+          <a:noFill/>
+        </p:spPr>
+        <p:txBody>
+          <a:bodyPr wrap="none">
+            <a:spAutoFit/>
+          </a:bodyPr>
+          <a:lstStyle/>
+          <a:p>
+            <a:pPr algn="l"/>
+            <a:r>
+              <a:rPr sz="3200" b="1" i="0" u="none">
+                <a:solidFill>
+                  <a:srgbClr val="00529A"/>
+                </a:solidFill>
+                <a:latin typeface="Comic Sans MS"/>
+              </a:rPr>
+              <a:t>Decisiones mejoradas</a:t>
+            </a:r>
+          </a:p>
+        </p:txBody>
+      </p:sp>
+      <p:sp>
+        <p:nvSpPr>
+          <p:cNvPr id="6" name="Rectangle 5"/>
+          <p:cNvSpPr/>
+          <p:nvPr/>
+        </p:nvSpPr>
+        <p:spPr>
+          <a:xfrm>
+            <a:off x="640080" y="1325880"/>
+            <a:ext cx="2743200" cy="27432"/>
+          </a:xfrm>
+          <a:prstGeom prst="rect">
+            <a:avLst/>
+          </a:prstGeom>
+          <a:solidFill>
+            <a:srgbClr val="4091D7"/>
+          </a:solidFill>
+          <a:ln>
+            <a:noFill/>
+          </a:ln>
+        </p:spPr>
+        <p:style>
+          <a:lnRef idx="1">
+            <a:schemeClr val="accent1"/>
+          </a:lnRef>
+          <a:fillRef idx="3">
+            <a:schemeClr val="accent1"/>
+          </a:fillRef>
+          <a:effectRef idx="2">
+            <a:schemeClr val="accent1"/>
+          </a:effectRef>
+          <a:fontRef idx="minor">
+            <a:schemeClr val="lt1"/>
+          </a:fontRef>
+        </p:style>
+        <p:txBody>
+          <a:bodyPr rtlCol="0" anchor="ctr"/>
+          <a:lstStyle/>
+          <a:p>
+            <a:pPr algn="ctr"/>
+          </a:p>
+        </p:txBody>
+      </p:sp>
+      <p:sp>
+        <p:nvSpPr>
+          <p:cNvPr id="7" name="TextBox 6"/>
+          <p:cNvSpPr txBox="1"/>
+          <p:nvPr/>
+        </p:nvSpPr>
+        <p:spPr>
+          <a:xfrm>
+            <a:off x="731520" y="1600200"/>
+            <a:ext cx="5212080" cy="4526280"/>
+          </a:xfrm>
+          <a:prstGeom prst="rect">
+            <a:avLst/>
+          </a:prstGeom>
+          <a:noFill/>
+        </p:spPr>
+        <p:txBody>
+          <a:bodyPr wrap="square" anchor="t">
+            <a:noAutofit/>
+          </a:bodyPr>
+          <a:lstStyle/>
+          <a:p/>
+          <a:p>
+            <a:pPr algn="l">
+              <a:lnSpc>
+                <a:spcPct val="120000"/>
+              </a:lnSpc>
+              <a:spcBef>
+                <a:spcPts val="0"/>
+              </a:spcBef>
+              <a:spcAft>
+                <a:spcPts val="1200"/>
+              </a:spcAft>
+            </a:pPr>
+            <a:r>
+              <a:rPr sz="2000" b="0" i="1" u="none">
+                <a:solidFill>
+                  <a:srgbClr val="323E48"/>
+                </a:solidFill>
+                <a:latin typeface="Times New Roman"/>
+              </a:rPr>
+              <a:t>Gracias al análisis predictivo y big data, la IA permitirá a empresas y gobiernos tomar decisiones más informadas. Esto optimizará estrategias, asignación de recursos y políticas, resultando en mayor eficiencia y mejores resultados socioeconómicos.</a:t>
+            </a:r>
+          </a:p>
+        </p:txBody>
+      </p:sp>
+      <p:sp>
+        <p:nvSpPr>
+          <p:cNvPr id="8" name="Rectangle 7"/>
+          <p:cNvSpPr/>
+          <p:nvPr/>
+        </p:nvSpPr>
+        <p:spPr>
+          <a:xfrm>
+            <a:off x="6099048" y="1664208"/>
+            <a:ext cx="2980944" cy="3849624"/>
+          </a:xfrm>
+          <a:prstGeom prst="rect">
+            <a:avLst/>
+          </a:prstGeom>
+          <a:noFill/>
+          <a:ln w="19050">
+            <a:solidFill>
+              <a:srgbClr val="E6E6EB"/>
+            </a:solidFill>
+          </a:ln>
+          <a:effectLst/>
+        </p:spPr>
+        <p:style>
+          <a:lnRef idx="1">
+            <a:schemeClr val="accent1"/>
+          </a:lnRef>
+          <a:fillRef idx="3">
+            <a:schemeClr val="accent1"/>
+          </a:fillRef>
+          <a:effectRef idx="2">
+            <a:schemeClr val="accent1"/>
+          </a:effectRef>
+          <a:fontRef idx="minor">
+            <a:schemeClr val="lt1"/>
+          </a:fontRef>
+        </p:style>
+        <p:txBody>
+          <a:bodyPr rtlCol="0" anchor="ctr"/>
+          <a:lstStyle/>
+          <a:p>
+            <a:pPr algn="ctr"/>
+          </a:p>
+        </p:txBody>
+      </p:sp>
+      <p:pic>
+        <p:nvPicPr>
+          <p:cNvPr id="9" name="Picture 8" descr="Slide9.jpg"/>
+          <p:cNvPicPr>
+            <a:picLocks noChangeAspect="1"/>
+          </p:cNvPicPr>
+          <p:nvPr/>
+        </p:nvPicPr>
+        <p:blipFill>
+          <a:blip r:embed="rId2"/>
+          <a:stretch>
+            <a:fillRect/>
+          </a:stretch>
+        </p:blipFill>
+        <p:spPr>
+          <a:xfrm>
+            <a:off x="6153912" y="2512314"/>
+            <a:ext cx="2871216" cy="2153412"/>
+          </a:xfrm>
+          <a:prstGeom prst="rect">
+            <a:avLst/>
+          </a:prstGeom>
+        </p:spPr>
+      </p:pic>
       <p:sp>
         <p:nvSpPr>
           <p:cNvPr id="10" name="Rounded Rectangle 9"/>
@@ -5475,15 +6073,15 @@
           <p:nvPr/>
         </p:nvSpPr>
         <p:spPr>
-          <a:xfrm rot="2700000">
-            <a:off x="182880" y="5760720"/>
-            <a:ext cx="914400" cy="914400"/>
+          <a:xfrm>
+            <a:off x="8229600" y="5943600"/>
+            <a:ext cx="731520" cy="731520"/>
           </a:xfrm>
           <a:prstGeom prst="roundRect">
             <a:avLst/>
           </a:prstGeom>
           <a:solidFill>
-            <a:srgbClr val="6432B4"/>
+            <a:srgbClr val="4091D7"/>
           </a:solidFill>
           <a:ln>
             <a:noFill/>
